--- a/src/video-05-experimental-studies.pptx
+++ b/src/video-05-experimental-studies.pptx
@@ -13,6 +13,34 @@
     <p:sldId id="261" r:id="rId7"/>
     <p:sldId id="262" r:id="rId8"/>
     <p:sldId id="263" r:id="rId9"/>
+    <p:sldId id="264" r:id="rId10"/>
+    <p:sldId id="265" r:id="rId11"/>
+    <p:sldId id="266" r:id="rId12"/>
+    <p:sldId id="267" r:id="rId13"/>
+    <p:sldId id="268" r:id="rId14"/>
+    <p:sldId id="269" r:id="rId15"/>
+    <p:sldId id="270" r:id="rId16"/>
+    <p:sldId id="271" r:id="rId17"/>
+    <p:sldId id="272" r:id="rId18"/>
+    <p:sldId id="273" r:id="rId19"/>
+    <p:sldId id="274" r:id="rId20"/>
+    <p:sldId id="275" r:id="rId21"/>
+    <p:sldId id="276" r:id="rId22"/>
+    <p:sldId id="277" r:id="rId23"/>
+    <p:sldId id="278" r:id="rId24"/>
+    <p:sldId id="279" r:id="rId25"/>
+    <p:sldId id="280" r:id="rId26"/>
+    <p:sldId id="281" r:id="rId27"/>
+    <p:sldId id="282" r:id="rId28"/>
+    <p:sldId id="283" r:id="rId29"/>
+    <p:sldId id="284" r:id="rId30"/>
+    <p:sldId id="285" r:id="rId31"/>
+    <p:sldId id="286" r:id="rId32"/>
+    <p:sldId id="287" r:id="rId33"/>
+    <p:sldId id="288" r:id="rId34"/>
+    <p:sldId id="289" r:id="rId35"/>
+    <p:sldId id="290" r:id="rId36"/>
+    <p:sldId id="291" r:id="rId37"/>
   </p:sldIdLst>
   <p:sldSz cx="9144000" cy="6858000" type="screen4x3"/>
   <p:notesSz cx="6858000" cy="9144000"/>
@@ -3220,6 +3248,1141 @@
 </p:sld>
 </file>
 
+<file path=ppt/slides/slide10.xml><?xml version="1.0" encoding="utf-8"?>
+<p:sld xmlns:a="http://schemas.openxmlformats.org/drawingml/2006/main" xmlns:r="http://schemas.openxmlformats.org/officeDocument/2006/relationships" xmlns:p="http://schemas.openxmlformats.org/presentationml/2006/main">
+  <p:cSld>
+    <p:spTree>
+      <p:nvGrpSpPr>
+        <p:cNvPr id="1" name=""/>
+        <p:cNvGrpSpPr/>
+        <p:nvPr/>
+      </p:nvGrpSpPr>
+      <p:grpSpPr>
+        <a:xfrm>
+          <a:off x="0" y="0"/>
+          <a:ext cx="0" cy="0"/>
+          <a:chOff x="0" y="0"/>
+          <a:chExt cx="0" cy="0"/>
+        </a:xfrm>
+      </p:grpSpPr>
+      <p:sp>
+        <p:nvSpPr>
+          <p:cNvPr id="2" name="Title 1"/>
+          <p:cNvSpPr>
+            <a:spLocks noGrp="1"/>
+          </p:cNvSpPr>
+          <p:nvPr>
+            <p:ph type="title"/>
+          </p:nvPr>
+        </p:nvSpPr>
+        <p:spPr/>
+        <p:txBody>
+          <a:bodyPr/>
+          <a:lstStyle/>
+          <a:p>
+            <a:pPr lvl="0" marL="0" indent="0">
+              <a:buNone/>
+            </a:pPr>
+            <a:r>
+              <a:rPr/>
+              <a:t>Research</a:t>
+            </a:r>
+            <a:r>
+              <a:rPr/>
+              <a:t> </a:t>
+            </a:r>
+            <a:r>
+              <a:rPr/>
+              <a:t>Approaches</a:t>
+            </a:r>
+          </a:p>
+        </p:txBody>
+      </p:sp>
+      <p:pic>
+        <p:nvPicPr>
+          <p:cNvPr descr="../images/image-05-03.png" id="0" name="Picture 1"/>
+          <p:cNvPicPr>
+            <a:picLocks noGrp="1" noChangeAspect="1"/>
+          </p:cNvPicPr>
+          <p:nvPr/>
+        </p:nvPicPr>
+        <p:blipFill>
+          <a:blip r:embed="rId2"/>
+          <a:stretch>
+            <a:fillRect/>
+          </a:stretch>
+        </p:blipFill>
+        <p:spPr bwMode="auto">
+          <a:xfrm>
+            <a:off x="2501900" y="1600200"/>
+            <a:ext cx="4140200" cy="4521200"/>
+          </a:xfrm>
+          <a:prstGeom prst="rect">
+            <a:avLst/>
+          </a:prstGeom>
+          <a:noFill/>
+          <a:ln w="9525">
+            <a:noFill/>
+            <a:headEnd/>
+            <a:tailEnd/>
+          </a:ln>
+        </p:spPr>
+      </p:pic>
+    </p:spTree>
+  </p:cSld>
+</p:sld>
+</file>
+
+<file path=ppt/slides/slide11.xml><?xml version="1.0" encoding="utf-8"?>
+<p:sld xmlns:a="http://schemas.openxmlformats.org/drawingml/2006/main" xmlns:r="http://schemas.openxmlformats.org/officeDocument/2006/relationships" xmlns:p="http://schemas.openxmlformats.org/presentationml/2006/main">
+  <p:cSld>
+    <p:spTree>
+      <p:nvGrpSpPr>
+        <p:cNvPr id="1" name=""/>
+        <p:cNvGrpSpPr/>
+        <p:nvPr/>
+      </p:nvGrpSpPr>
+      <p:grpSpPr>
+        <a:xfrm>
+          <a:off x="0" y="0"/>
+          <a:ext cx="0" cy="0"/>
+          <a:chOff x="0" y="0"/>
+          <a:chExt cx="0" cy="0"/>
+        </a:xfrm>
+      </p:grpSpPr>
+      <p:sp>
+        <p:nvSpPr>
+          <p:cNvPr id="2" name="Title 1"/>
+          <p:cNvSpPr>
+            <a:spLocks noGrp="1"/>
+          </p:cNvSpPr>
+          <p:nvPr>
+            <p:ph type="title"/>
+          </p:nvPr>
+        </p:nvSpPr>
+        <p:spPr/>
+        <p:txBody>
+          <a:bodyPr/>
+          <a:lstStyle/>
+          <a:p>
+            <a:pPr lvl="0" marL="0" indent="0">
+              <a:buNone/>
+            </a:pPr>
+            <a:r>
+              <a:rPr/>
+              <a:t>Randomized</a:t>
+            </a:r>
+            <a:r>
+              <a:rPr/>
+              <a:t> </a:t>
+            </a:r>
+            <a:r>
+              <a:rPr/>
+              <a:t>Experimental</a:t>
+            </a:r>
+            <a:r>
+              <a:rPr/>
+              <a:t> </a:t>
+            </a:r>
+            <a:r>
+              <a:rPr/>
+              <a:t>and</a:t>
+            </a:r>
+            <a:r>
+              <a:rPr/>
+              <a:t> </a:t>
+            </a:r>
+            <a:r>
+              <a:rPr/>
+              <a:t>Q-E</a:t>
+            </a:r>
+            <a:r>
+              <a:rPr/>
+              <a:t> </a:t>
+            </a:r>
+            <a:r>
+              <a:rPr/>
+              <a:t>Designs</a:t>
+            </a:r>
+          </a:p>
+        </p:txBody>
+      </p:sp>
+      <p:pic>
+        <p:nvPicPr>
+          <p:cNvPr descr="../images/image-05-04.png" id="0" name="Picture 1"/>
+          <p:cNvPicPr>
+            <a:picLocks noGrp="1" noChangeAspect="1"/>
+          </p:cNvPicPr>
+          <p:nvPr/>
+        </p:nvPicPr>
+        <p:blipFill>
+          <a:blip r:embed="rId2"/>
+          <a:stretch>
+            <a:fillRect/>
+          </a:stretch>
+        </p:blipFill>
+        <p:spPr bwMode="auto">
+          <a:xfrm>
+            <a:off x="2755900" y="1600200"/>
+            <a:ext cx="3619500" cy="4521200"/>
+          </a:xfrm>
+          <a:prstGeom prst="rect">
+            <a:avLst/>
+          </a:prstGeom>
+          <a:noFill/>
+          <a:ln w="9525">
+            <a:noFill/>
+            <a:headEnd/>
+            <a:tailEnd/>
+          </a:ln>
+        </p:spPr>
+      </p:pic>
+    </p:spTree>
+  </p:cSld>
+</p:sld>
+</file>
+
+<file path=ppt/slides/slide12.xml><?xml version="1.0" encoding="utf-8"?>
+<p:sld xmlns:a="http://schemas.openxmlformats.org/drawingml/2006/main" xmlns:r="http://schemas.openxmlformats.org/officeDocument/2006/relationships" xmlns:p="http://schemas.openxmlformats.org/presentationml/2006/main">
+  <p:cSld>
+    <p:spTree>
+      <p:nvGrpSpPr>
+        <p:cNvPr id="1" name=""/>
+        <p:cNvGrpSpPr/>
+        <p:nvPr/>
+      </p:nvGrpSpPr>
+      <p:grpSpPr>
+        <a:xfrm>
+          <a:off x="0" y="0"/>
+          <a:ext cx="0" cy="0"/>
+          <a:chOff x="0" y="0"/>
+          <a:chExt cx="0" cy="0"/>
+        </a:xfrm>
+      </p:grpSpPr>
+      <p:sp>
+        <p:nvSpPr>
+          <p:cNvPr id="2" name="Title 1"/>
+          <p:cNvSpPr>
+            <a:spLocks noGrp="1"/>
+          </p:cNvSpPr>
+          <p:nvPr>
+            <p:ph type="title"/>
+          </p:nvPr>
+        </p:nvSpPr>
+        <p:spPr/>
+        <p:txBody>
+          <a:bodyPr/>
+          <a:lstStyle/>
+          <a:p>
+            <a:pPr lvl="0" marL="0" indent="0">
+              <a:buNone/>
+            </a:pPr>
+            <a:r>
+              <a:rPr/>
+              <a:t>Quasi-Experimental</a:t>
+            </a:r>
+            <a:r>
+              <a:rPr/>
+              <a:t> </a:t>
+            </a:r>
+            <a:r>
+              <a:rPr/>
+              <a:t>Designs</a:t>
+            </a:r>
+          </a:p>
+        </p:txBody>
+      </p:sp>
+      <p:sp>
+        <p:nvSpPr>
+          <p:cNvPr id="3" name="Content Placeholder 2"/>
+          <p:cNvSpPr>
+            <a:spLocks noGrp="1"/>
+          </p:cNvSpPr>
+          <p:nvPr>
+            <p:ph idx="1"/>
+          </p:nvPr>
+        </p:nvSpPr>
+        <p:spPr/>
+        <p:txBody>
+          <a:bodyPr/>
+          <a:lstStyle/>
+          <a:p>
+            <a:pPr lvl="1"/>
+            <a:r>
+              <a:rPr/>
+              <a:t>Categories of Q-E approach</a:t>
+            </a:r>
+          </a:p>
+          <a:p>
+            <a:pPr lvl="2"/>
+            <a:r>
+              <a:rPr/>
+              <a:t>Q-E with major limitations</a:t>
+            </a:r>
+          </a:p>
+          <a:p>
+            <a:pPr lvl="2"/>
+            <a:r>
+              <a:rPr/>
+              <a:t>Pretest-Posttest designs</a:t>
+            </a:r>
+          </a:p>
+          <a:p>
+            <a:pPr lvl="2"/>
+            <a:r>
+              <a:rPr/>
+              <a:t>Time-series designs</a:t>
+            </a:r>
+          </a:p>
+          <a:p>
+            <a:pPr lvl="2"/>
+            <a:r>
+              <a:rPr/>
+              <a:t>Single-subject designs</a:t>
+            </a:r>
+          </a:p>
+        </p:txBody>
+      </p:sp>
+    </p:spTree>
+  </p:cSld>
+</p:sld>
+</file>
+
+<file path=ppt/slides/slide13.xml><?xml version="1.0" encoding="utf-8"?>
+<p:sld xmlns:a="http://schemas.openxmlformats.org/drawingml/2006/main" xmlns:r="http://schemas.openxmlformats.org/officeDocument/2006/relationships" xmlns:p="http://schemas.openxmlformats.org/presentationml/2006/main">
+  <p:cSld>
+    <p:spTree>
+      <p:nvGrpSpPr>
+        <p:cNvPr id="1" name=""/>
+        <p:cNvGrpSpPr/>
+        <p:nvPr/>
+      </p:nvGrpSpPr>
+      <p:grpSpPr>
+        <a:xfrm>
+          <a:off x="0" y="0"/>
+          <a:ext cx="0" cy="0"/>
+          <a:chOff x="0" y="0"/>
+          <a:chExt cx="0" cy="0"/>
+        </a:xfrm>
+      </p:grpSpPr>
+      <p:sp>
+        <p:nvSpPr>
+          <p:cNvPr id="2" name="Title 1"/>
+          <p:cNvSpPr>
+            <a:spLocks noGrp="1"/>
+          </p:cNvSpPr>
+          <p:nvPr>
+            <p:ph type="title"/>
+          </p:nvPr>
+        </p:nvSpPr>
+        <p:spPr/>
+        <p:txBody>
+          <a:bodyPr/>
+          <a:lstStyle/>
+          <a:p>
+            <a:pPr lvl="0" marL="0" indent="0">
+              <a:buNone/>
+            </a:pPr>
+            <a:r>
+              <a:rPr/>
+              <a:t>Quasi-Experimental</a:t>
+            </a:r>
+            <a:r>
+              <a:rPr/>
+              <a:t> </a:t>
+            </a:r>
+            <a:r>
+              <a:rPr/>
+              <a:t>Designs</a:t>
+            </a:r>
+          </a:p>
+        </p:txBody>
+      </p:sp>
+      <p:sp>
+        <p:nvSpPr>
+          <p:cNvPr id="3" name="Content Placeholder 2"/>
+          <p:cNvSpPr>
+            <a:spLocks noGrp="1"/>
+          </p:cNvSpPr>
+          <p:nvPr>
+            <p:ph idx="1"/>
+          </p:nvPr>
+        </p:nvSpPr>
+        <p:spPr/>
+        <p:txBody>
+          <a:bodyPr/>
+          <a:lstStyle/>
+          <a:p>
+            <a:pPr lvl="1"/>
+            <a:r>
+              <a:rPr/>
+              <a:t>Q-E with major limitations</a:t>
+            </a:r>
+          </a:p>
+          <a:p>
+            <a:pPr lvl="1"/>
+            <a:r>
+              <a:rPr/>
+              <a:t>Also called Pre-experimental</a:t>
+            </a:r>
+          </a:p>
+          <a:p>
+            <a:pPr lvl="2"/>
+            <a:r>
+              <a:rPr/>
+              <a:t>One-Group Posttest-Only</a:t>
+            </a:r>
+          </a:p>
+          <a:p>
+            <a:pPr lvl="3"/>
+            <a:r>
+              <a:rPr/>
+              <a:t>NR E: X O</a:t>
+            </a:r>
+          </a:p>
+        </p:txBody>
+      </p:sp>
+    </p:spTree>
+  </p:cSld>
+</p:sld>
+</file>
+
+<file path=ppt/slides/slide14.xml><?xml version="1.0" encoding="utf-8"?>
+<p:sld xmlns:a="http://schemas.openxmlformats.org/drawingml/2006/main" xmlns:r="http://schemas.openxmlformats.org/officeDocument/2006/relationships" xmlns:p="http://schemas.openxmlformats.org/presentationml/2006/main">
+  <p:cSld>
+    <p:spTree>
+      <p:nvGrpSpPr>
+        <p:cNvPr id="1" name=""/>
+        <p:cNvGrpSpPr/>
+        <p:nvPr/>
+      </p:nvGrpSpPr>
+      <p:grpSpPr>
+        <a:xfrm>
+          <a:off x="0" y="0"/>
+          <a:ext cx="0" cy="0"/>
+          <a:chOff x="0" y="0"/>
+          <a:chExt cx="0" cy="0"/>
+        </a:xfrm>
+      </p:grpSpPr>
+      <p:sp>
+        <p:nvSpPr>
+          <p:cNvPr id="2" name="Title 1"/>
+          <p:cNvSpPr>
+            <a:spLocks noGrp="1"/>
+          </p:cNvSpPr>
+          <p:nvPr>
+            <p:ph type="title"/>
+          </p:nvPr>
+        </p:nvSpPr>
+        <p:spPr/>
+        <p:txBody>
+          <a:bodyPr/>
+          <a:lstStyle/>
+          <a:p>
+            <a:pPr lvl="0" marL="0" indent="0">
+              <a:buNone/>
+            </a:pPr>
+            <a:r>
+              <a:rPr/>
+              <a:t>Quasi-Experimental</a:t>
+            </a:r>
+            <a:r>
+              <a:rPr/>
+              <a:t> </a:t>
+            </a:r>
+            <a:r>
+              <a:rPr/>
+              <a:t>Designs</a:t>
+            </a:r>
+          </a:p>
+        </p:txBody>
+      </p:sp>
+      <p:sp>
+        <p:nvSpPr>
+          <p:cNvPr id="3" name="Content Placeholder 2"/>
+          <p:cNvSpPr>
+            <a:spLocks noGrp="1"/>
+          </p:cNvSpPr>
+          <p:nvPr>
+            <p:ph idx="1"/>
+          </p:nvPr>
+        </p:nvSpPr>
+        <p:spPr/>
+        <p:txBody>
+          <a:bodyPr/>
+          <a:lstStyle/>
+          <a:p>
+            <a:pPr lvl="1"/>
+            <a:r>
+              <a:rPr/>
+              <a:t>Q-E with major limitations</a:t>
+            </a:r>
+          </a:p>
+          <a:p>
+            <a:pPr lvl="1"/>
+            <a:r>
+              <a:rPr/>
+              <a:t>Also called Pre-experimental</a:t>
+            </a:r>
+          </a:p>
+          <a:p>
+            <a:pPr lvl="2"/>
+            <a:r>
+              <a:rPr/>
+              <a:t>One-Group Pretest-Posttest</a:t>
+            </a:r>
+          </a:p>
+          <a:p>
+            <a:pPr lvl="3"/>
+            <a:r>
+              <a:rPr/>
+              <a:t>NR E: O1 X O2</a:t>
+            </a:r>
+          </a:p>
+          <a:p>
+            <a:pPr lvl="2"/>
+            <a:r>
+              <a:rPr/>
+              <a:t>Improvement - Wait-List Comparison Group</a:t>
+            </a:r>
+          </a:p>
+          <a:p>
+            <a:pPr lvl="3"/>
+            <a:r>
+              <a:rPr/>
+              <a:t>Immediate Group O1 X O2</a:t>
+            </a:r>
+          </a:p>
+          <a:p>
+            <a:pPr lvl="3"/>
+            <a:r>
+              <a:rPr/>
+              <a:t>Wait-List Group O1 ~X O2 X O3</a:t>
+            </a:r>
+          </a:p>
+        </p:txBody>
+      </p:sp>
+    </p:spTree>
+  </p:cSld>
+</p:sld>
+</file>
+
+<file path=ppt/slides/slide15.xml><?xml version="1.0" encoding="utf-8"?>
+<p:sld xmlns:a="http://schemas.openxmlformats.org/drawingml/2006/main" xmlns:r="http://schemas.openxmlformats.org/officeDocument/2006/relationships" xmlns:p="http://schemas.openxmlformats.org/presentationml/2006/main">
+  <p:cSld>
+    <p:spTree>
+      <p:nvGrpSpPr>
+        <p:cNvPr id="1" name=""/>
+        <p:cNvGrpSpPr/>
+        <p:nvPr/>
+      </p:nvGrpSpPr>
+      <p:grpSpPr>
+        <a:xfrm>
+          <a:off x="0" y="0"/>
+          <a:ext cx="0" cy="0"/>
+          <a:chOff x="0" y="0"/>
+          <a:chExt cx="0" cy="0"/>
+        </a:xfrm>
+      </p:grpSpPr>
+      <p:sp>
+        <p:nvSpPr>
+          <p:cNvPr id="2" name="Title 1"/>
+          <p:cNvSpPr>
+            <a:spLocks noGrp="1"/>
+          </p:cNvSpPr>
+          <p:nvPr>
+            <p:ph type="title"/>
+          </p:nvPr>
+        </p:nvSpPr>
+        <p:spPr/>
+        <p:txBody>
+          <a:bodyPr/>
+          <a:lstStyle/>
+          <a:p>
+            <a:pPr lvl="0" marL="0" indent="0">
+              <a:buNone/>
+            </a:pPr>
+            <a:r>
+              <a:rPr/>
+              <a:t>Quasi-Experimental</a:t>
+            </a:r>
+            <a:r>
+              <a:rPr/>
+              <a:t> </a:t>
+            </a:r>
+            <a:r>
+              <a:rPr/>
+              <a:t>Designs</a:t>
+            </a:r>
+          </a:p>
+        </p:txBody>
+      </p:sp>
+      <p:sp>
+        <p:nvSpPr>
+          <p:cNvPr id="3" name="Content Placeholder 2"/>
+          <p:cNvSpPr>
+            <a:spLocks noGrp="1"/>
+          </p:cNvSpPr>
+          <p:nvPr>
+            <p:ph idx="1"/>
+          </p:nvPr>
+        </p:nvSpPr>
+        <p:spPr/>
+        <p:txBody>
+          <a:bodyPr/>
+          <a:lstStyle/>
+          <a:p>
+            <a:pPr lvl="1"/>
+            <a:r>
+              <a:rPr/>
+              <a:t>Q-E with major limitations</a:t>
+            </a:r>
+          </a:p>
+          <a:p>
+            <a:pPr lvl="1"/>
+            <a:r>
+              <a:rPr/>
+              <a:t>Also called Pre-experimental</a:t>
+            </a:r>
+          </a:p>
+          <a:p>
+            <a:pPr lvl="2"/>
+            <a:r>
+              <a:rPr/>
+              <a:t>Posttest-Only Nonequivalent Groups</a:t>
+            </a:r>
+          </a:p>
+          <a:p>
+            <a:pPr lvl="3"/>
+            <a:r>
+              <a:rPr/>
+              <a:t>NR E: X O</a:t>
+            </a:r>
+          </a:p>
+          <a:p>
+            <a:pPr lvl="3"/>
+            <a:r>
+              <a:rPr/>
+              <a:t>NR C: ~X O</a:t>
+            </a:r>
+          </a:p>
+        </p:txBody>
+      </p:sp>
+    </p:spTree>
+  </p:cSld>
+</p:sld>
+</file>
+
+<file path=ppt/slides/slide16.xml><?xml version="1.0" encoding="utf-8"?>
+<p:sld xmlns:a="http://schemas.openxmlformats.org/drawingml/2006/main" xmlns:r="http://schemas.openxmlformats.org/officeDocument/2006/relationships" xmlns:p="http://schemas.openxmlformats.org/presentationml/2006/main">
+  <p:cSld>
+    <p:spTree>
+      <p:nvGrpSpPr>
+        <p:cNvPr id="1" name=""/>
+        <p:cNvGrpSpPr/>
+        <p:nvPr/>
+      </p:nvGrpSpPr>
+      <p:grpSpPr>
+        <a:xfrm>
+          <a:off x="0" y="0"/>
+          <a:ext cx="0" cy="0"/>
+          <a:chOff x="0" y="0"/>
+          <a:chExt cx="0" cy="0"/>
+        </a:xfrm>
+      </p:grpSpPr>
+      <p:sp>
+        <p:nvSpPr>
+          <p:cNvPr id="2" name="Title 1"/>
+          <p:cNvSpPr>
+            <a:spLocks noGrp="1"/>
+          </p:cNvSpPr>
+          <p:nvPr>
+            <p:ph type="title"/>
+          </p:nvPr>
+        </p:nvSpPr>
+        <p:spPr/>
+        <p:txBody>
+          <a:bodyPr/>
+          <a:lstStyle/>
+          <a:p>
+            <a:pPr lvl="0" marL="0" indent="0">
+              <a:buNone/>
+            </a:pPr>
+            <a:r>
+              <a:rPr/>
+              <a:t>Quasi-Experimental</a:t>
+            </a:r>
+            <a:r>
+              <a:rPr/>
+              <a:t> </a:t>
+            </a:r>
+            <a:r>
+              <a:rPr/>
+              <a:t>Designs</a:t>
+            </a:r>
+          </a:p>
+        </p:txBody>
+      </p:sp>
+      <p:sp>
+        <p:nvSpPr>
+          <p:cNvPr id="3" name="Content Placeholder 2"/>
+          <p:cNvSpPr>
+            <a:spLocks noGrp="1"/>
+          </p:cNvSpPr>
+          <p:nvPr>
+            <p:ph idx="1"/>
+          </p:nvPr>
+        </p:nvSpPr>
+        <p:spPr/>
+        <p:txBody>
+          <a:bodyPr/>
+          <a:lstStyle/>
+          <a:p>
+            <a:pPr lvl="1"/>
+            <a:r>
+              <a:rPr/>
+              <a:t>Better Q-E Designs</a:t>
+            </a:r>
+          </a:p>
+          <a:p>
+            <a:pPr lvl="2"/>
+            <a:r>
+              <a:rPr/>
+              <a:t>Pretest-Posttest Nonequivalent Comparison Group</a:t>
+            </a:r>
+          </a:p>
+          <a:p>
+            <a:pPr lvl="3"/>
+            <a:r>
+              <a:rPr/>
+              <a:t>NR E: O1 X O2</a:t>
+            </a:r>
+          </a:p>
+          <a:p>
+            <a:pPr lvl="3"/>
+            <a:r>
+              <a:rPr/>
+              <a:t>NR C: O1 ~X O2</a:t>
+            </a:r>
+          </a:p>
+          <a:p>
+            <a:pPr lvl="3"/>
+            <a:r>
+              <a:rPr/>
+              <a:t>3 strengths based on</a:t>
+            </a:r>
+          </a:p>
+          <a:p>
+            <a:pPr lvl="4"/>
+            <a:r>
+              <a:rPr/>
+              <a:t>How participants got into the groups/conditions</a:t>
+            </a:r>
+          </a:p>
+          <a:p>
+            <a:pPr lvl="4"/>
+            <a:r>
+              <a:rPr/>
+              <a:t>How much control investigator has over IV</a:t>
+            </a:r>
+          </a:p>
+          <a:p>
+            <a:pPr lvl="3"/>
+            <a:r>
+              <a:rPr/>
+              <a:t>Strong</a:t>
+            </a:r>
+          </a:p>
+          <a:p>
+            <a:pPr lvl="3"/>
+            <a:r>
+              <a:rPr/>
+              <a:t>Moderate-strength</a:t>
+            </a:r>
+          </a:p>
+          <a:p>
+            <a:pPr lvl="3"/>
+            <a:r>
+              <a:rPr/>
+              <a:t>Weak</a:t>
+            </a:r>
+          </a:p>
+        </p:txBody>
+      </p:sp>
+    </p:spTree>
+  </p:cSld>
+</p:sld>
+</file>
+
+<file path=ppt/slides/slide17.xml><?xml version="1.0" encoding="utf-8"?>
+<p:sld xmlns:a="http://schemas.openxmlformats.org/drawingml/2006/main" xmlns:r="http://schemas.openxmlformats.org/officeDocument/2006/relationships" xmlns:p="http://schemas.openxmlformats.org/presentationml/2006/main">
+  <p:cSld>
+    <p:spTree>
+      <p:nvGrpSpPr>
+        <p:cNvPr id="1" name=""/>
+        <p:cNvGrpSpPr/>
+        <p:nvPr/>
+      </p:nvGrpSpPr>
+      <p:grpSpPr>
+        <a:xfrm>
+          <a:off x="0" y="0"/>
+          <a:ext cx="0" cy="0"/>
+          <a:chOff x="0" y="0"/>
+          <a:chExt cx="0" cy="0"/>
+        </a:xfrm>
+      </p:grpSpPr>
+      <p:sp>
+        <p:nvSpPr>
+          <p:cNvPr id="2" name="Title 1"/>
+          <p:cNvSpPr>
+            <a:spLocks noGrp="1"/>
+          </p:cNvSpPr>
+          <p:nvPr>
+            <p:ph type="title"/>
+          </p:nvPr>
+        </p:nvSpPr>
+        <p:spPr/>
+        <p:txBody>
+          <a:bodyPr/>
+          <a:lstStyle/>
+          <a:p>
+            <a:pPr lvl="0" marL="0" indent="0">
+              <a:buNone/>
+            </a:pPr>
+            <a:r>
+              <a:rPr/>
+              <a:t>Quasi-Experimental</a:t>
+            </a:r>
+            <a:r>
+              <a:rPr/>
+              <a:t> </a:t>
+            </a:r>
+            <a:r>
+              <a:rPr/>
+              <a:t>Designs</a:t>
+            </a:r>
+          </a:p>
+        </p:txBody>
+      </p:sp>
+      <p:sp>
+        <p:nvSpPr>
+          <p:cNvPr id="3" name="Content Placeholder 2"/>
+          <p:cNvSpPr>
+            <a:spLocks noGrp="1"/>
+          </p:cNvSpPr>
+          <p:nvPr>
+            <p:ph idx="1"/>
+          </p:nvPr>
+        </p:nvSpPr>
+        <p:spPr/>
+        <p:txBody>
+          <a:bodyPr/>
+          <a:lstStyle/>
+          <a:p>
+            <a:pPr lvl="1"/>
+            <a:r>
+              <a:rPr/>
+              <a:t>Better Q-E Designs</a:t>
+            </a:r>
+          </a:p>
+          <a:p>
+            <a:pPr lvl="2"/>
+            <a:r>
+              <a:rPr/>
+              <a:t>Single-Group Time-Series</a:t>
+            </a:r>
+          </a:p>
+          <a:p>
+            <a:pPr lvl="3"/>
+            <a:r>
+              <a:rPr/>
+              <a:t>Characteristics</a:t>
+            </a:r>
+          </a:p>
+          <a:p>
+            <a:pPr lvl="3"/>
+            <a:r>
+              <a:rPr/>
+              <a:t>Temporary treatment vs Continuous treatment</a:t>
+            </a:r>
+          </a:p>
+          <a:p>
+            <a:pPr lvl="2"/>
+            <a:r>
+              <a:rPr/>
+              <a:t>Multi-Group Time-Series</a:t>
+            </a:r>
+          </a:p>
+          <a:p>
+            <a:pPr lvl="3"/>
+            <a:r>
+              <a:rPr/>
+              <a:t>Characteristics</a:t>
+            </a:r>
+          </a:p>
+          <a:p>
+            <a:pPr lvl="3"/>
+            <a:r>
+              <a:rPr/>
+              <a:t>Temporary treatment vs Continuous treatment</a:t>
+            </a:r>
+          </a:p>
+        </p:txBody>
+      </p:sp>
+    </p:spTree>
+  </p:cSld>
+</p:sld>
+</file>
+
+<file path=ppt/slides/slide18.xml><?xml version="1.0" encoding="utf-8"?>
+<p:sld xmlns:a="http://schemas.openxmlformats.org/drawingml/2006/main" xmlns:r="http://schemas.openxmlformats.org/officeDocument/2006/relationships" xmlns:p="http://schemas.openxmlformats.org/presentationml/2006/main">
+  <p:cSld>
+    <p:spTree>
+      <p:nvGrpSpPr>
+        <p:cNvPr id="1" name=""/>
+        <p:cNvGrpSpPr/>
+        <p:nvPr/>
+      </p:nvGrpSpPr>
+      <p:grpSpPr>
+        <a:xfrm>
+          <a:off x="0" y="0"/>
+          <a:ext cx="0" cy="0"/>
+          <a:chOff x="0" y="0"/>
+          <a:chExt cx="0" cy="0"/>
+        </a:xfrm>
+      </p:grpSpPr>
+      <p:sp>
+        <p:nvSpPr>
+          <p:cNvPr id="2" name="Title 1"/>
+          <p:cNvSpPr>
+            <a:spLocks noGrp="1"/>
+          </p:cNvSpPr>
+          <p:nvPr>
+            <p:ph type="title"/>
+          </p:nvPr>
+        </p:nvSpPr>
+        <p:spPr/>
+        <p:txBody>
+          <a:bodyPr/>
+          <a:lstStyle/>
+          <a:p>
+            <a:pPr lvl="0" marL="0" indent="0">
+              <a:buNone/>
+            </a:pPr>
+            <a:r>
+              <a:rPr/>
+              <a:t>Q-E</a:t>
+            </a:r>
+            <a:r>
+              <a:rPr/>
+              <a:t> </a:t>
+            </a:r>
+            <a:r>
+              <a:rPr/>
+              <a:t>Time</a:t>
+            </a:r>
+            <a:r>
+              <a:rPr/>
+              <a:t> </a:t>
+            </a:r>
+            <a:r>
+              <a:rPr/>
+              <a:t>Series</a:t>
+            </a:r>
+            <a:r>
+              <a:rPr/>
+              <a:t> </a:t>
+            </a:r>
+            <a:r>
+              <a:rPr/>
+              <a:t>Designs</a:t>
+            </a:r>
+          </a:p>
+        </p:txBody>
+      </p:sp>
+      <p:pic>
+        <p:nvPicPr>
+          <p:cNvPr descr="../images/image-05-05.png" id="0" name="Picture 1"/>
+          <p:cNvPicPr>
+            <a:picLocks noGrp="1" noChangeAspect="1"/>
+          </p:cNvPicPr>
+          <p:nvPr/>
+        </p:nvPicPr>
+        <p:blipFill>
+          <a:blip r:embed="rId2"/>
+          <a:stretch>
+            <a:fillRect/>
+          </a:stretch>
+        </p:blipFill>
+        <p:spPr bwMode="auto">
+          <a:xfrm>
+            <a:off x="1892300" y="1600200"/>
+            <a:ext cx="5346700" cy="4013200"/>
+          </a:xfrm>
+          <a:prstGeom prst="rect">
+            <a:avLst/>
+          </a:prstGeom>
+          <a:noFill/>
+          <a:ln w="9525">
+            <a:noFill/>
+            <a:headEnd/>
+            <a:tailEnd/>
+          </a:ln>
+        </p:spPr>
+      </p:pic>
+      <p:sp>
+        <p:nvSpPr>
+          <p:cNvPr id="1" name="TextBox 3"/>
+          <p:cNvSpPr txBox="1"/>
+          <p:nvPr/>
+        </p:nvSpPr>
+        <p:spPr>
+          <a:xfrm>
+            <a:off x="457200" y="5613400"/>
+            <a:ext cx="8229600" cy="508000"/>
+          </a:xfrm>
+          <a:prstGeom prst="rect">
+            <a:avLst/>
+          </a:prstGeom>
+          <a:noFill/>
+        </p:spPr>
+        <p:txBody>
+          <a:bodyPr/>
+          <a:lstStyle/>
+          <a:p>
+            <a:pPr lvl="0" marL="0" indent="0" algn="ctr">
+              <a:buNone/>
+            </a:pPr>
+            <a:r>
+              <a:rPr/>
+              <a:t>Portney</a:t>
+            </a:r>
+            <a:r>
+              <a:rPr/>
+              <a:t> </a:t>
+            </a:r>
+            <a:r>
+              <a:rPr/>
+              <a:t>&amp;</a:t>
+            </a:r>
+            <a:r>
+              <a:rPr/>
+              <a:t> </a:t>
+            </a:r>
+            <a:r>
+              <a:rPr/>
+              <a:t>Watkins,</a:t>
+            </a:r>
+            <a:r>
+              <a:rPr/>
+              <a:t> </a:t>
+            </a:r>
+            <a:r>
+              <a:rPr/>
+              <a:t>2009</a:t>
+            </a:r>
+          </a:p>
+        </p:txBody>
+      </p:sp>
+    </p:spTree>
+  </p:cSld>
+</p:sld>
+</file>
+
+<file path=ppt/slides/slide19.xml><?xml version="1.0" encoding="utf-8"?>
+<p:sld xmlns:a="http://schemas.openxmlformats.org/drawingml/2006/main" xmlns:r="http://schemas.openxmlformats.org/officeDocument/2006/relationships" xmlns:p="http://schemas.openxmlformats.org/presentationml/2006/main">
+  <p:cSld>
+    <p:spTree>
+      <p:nvGrpSpPr>
+        <p:cNvPr id="1" name=""/>
+        <p:cNvGrpSpPr/>
+        <p:nvPr/>
+      </p:nvGrpSpPr>
+      <p:grpSpPr>
+        <a:xfrm>
+          <a:off x="0" y="0"/>
+          <a:ext cx="0" cy="0"/>
+          <a:chOff x="0" y="0"/>
+          <a:chExt cx="0" cy="0"/>
+        </a:xfrm>
+      </p:grpSpPr>
+      <p:sp>
+        <p:nvSpPr>
+          <p:cNvPr id="2" name="Title 1"/>
+          <p:cNvSpPr>
+            <a:spLocks noGrp="1"/>
+          </p:cNvSpPr>
+          <p:nvPr>
+            <p:ph type="title"/>
+          </p:nvPr>
+        </p:nvSpPr>
+        <p:spPr/>
+        <p:txBody>
+          <a:bodyPr/>
+          <a:lstStyle/>
+          <a:p>
+            <a:pPr lvl="0" marL="0" indent="0">
+              <a:buNone/>
+            </a:pPr>
+            <a:r>
+              <a:rPr/>
+              <a:t>Q-E</a:t>
+            </a:r>
+            <a:r>
+              <a:rPr/>
+              <a:t> </a:t>
+            </a:r>
+            <a:r>
+              <a:rPr/>
+              <a:t>Time</a:t>
+            </a:r>
+            <a:r>
+              <a:rPr/>
+              <a:t> </a:t>
+            </a:r>
+            <a:r>
+              <a:rPr/>
+              <a:t>Series</a:t>
+            </a:r>
+            <a:r>
+              <a:rPr/>
+              <a:t> </a:t>
+            </a:r>
+            <a:r>
+              <a:rPr/>
+              <a:t>Designs</a:t>
+            </a:r>
+          </a:p>
+        </p:txBody>
+      </p:sp>
+      <p:sp>
+        <p:nvSpPr>
+          <p:cNvPr id="3" name="Content Placeholder 2"/>
+          <p:cNvSpPr>
+            <a:spLocks noGrp="1"/>
+          </p:cNvSpPr>
+          <p:nvPr>
+            <p:ph idx="1"/>
+          </p:nvPr>
+        </p:nvSpPr>
+        <p:spPr/>
+        <p:txBody>
+          <a:bodyPr/>
+          <a:lstStyle/>
+          <a:p>
+            <a:pPr lvl="1"/>
+            <a:r>
+              <a:rPr/>
+              <a:t>Portney &amp; Watkins, 2009</a:t>
+            </a:r>
+          </a:p>
+        </p:txBody>
+      </p:sp>
+    </p:spTree>
+  </p:cSld>
+</p:sld>
+</file>
+
 <file path=ppt/slides/slide2.xml><?xml version="1.0" encoding="utf-8"?>
 <p:sld xmlns:a="http://schemas.openxmlformats.org/drawingml/2006/main" xmlns:r="http://schemas.openxmlformats.org/officeDocument/2006/relationships" xmlns:p="http://schemas.openxmlformats.org/presentationml/2006/main">
   <p:cSld>
@@ -3309,6 +4472,1064 @@
             <a:r>
               <a:rPr/>
               <a:t>To distinguish a randomized experimental design from a quasi-experimental design</a:t>
+            </a:r>
+          </a:p>
+        </p:txBody>
+      </p:sp>
+    </p:spTree>
+  </p:cSld>
+</p:sld>
+</file>
+
+<file path=ppt/slides/slide20.xml><?xml version="1.0" encoding="utf-8"?>
+<p:sld xmlns:a="http://schemas.openxmlformats.org/drawingml/2006/main" xmlns:r="http://schemas.openxmlformats.org/officeDocument/2006/relationships" xmlns:p="http://schemas.openxmlformats.org/presentationml/2006/main">
+  <p:cSld>
+    <p:spTree>
+      <p:nvGrpSpPr>
+        <p:cNvPr id="1" name=""/>
+        <p:cNvGrpSpPr/>
+        <p:nvPr/>
+      </p:nvGrpSpPr>
+      <p:grpSpPr>
+        <a:xfrm>
+          <a:off x="0" y="0"/>
+          <a:ext cx="0" cy="0"/>
+          <a:chOff x="0" y="0"/>
+          <a:chExt cx="0" cy="0"/>
+        </a:xfrm>
+      </p:grpSpPr>
+      <p:pic>
+        <p:nvPicPr>
+          <p:cNvPr descr="../images/image-05-06.jpg" id="0" name="Picture 1"/>
+          <p:cNvPicPr>
+            <a:picLocks noGrp="1" noChangeAspect="1"/>
+          </p:cNvPicPr>
+          <p:nvPr/>
+        </p:nvPicPr>
+        <p:blipFill>
+          <a:blip r:embed="rId2"/>
+          <a:stretch>
+            <a:fillRect/>
+          </a:stretch>
+        </p:blipFill>
+        <p:spPr bwMode="auto">
+          <a:xfrm>
+            <a:off x="1181100" y="1600200"/>
+            <a:ext cx="6781800" cy="4521200"/>
+          </a:xfrm>
+          <a:prstGeom prst="rect">
+            <a:avLst/>
+          </a:prstGeom>
+          <a:noFill/>
+          <a:ln w="9525">
+            <a:noFill/>
+            <a:headEnd/>
+            <a:tailEnd/>
+          </a:ln>
+        </p:spPr>
+      </p:pic>
+    </p:spTree>
+  </p:cSld>
+</p:sld>
+</file>
+
+<file path=ppt/slides/slide21.xml><?xml version="1.0" encoding="utf-8"?>
+<p:sld xmlns:a="http://schemas.openxmlformats.org/drawingml/2006/main" xmlns:r="http://schemas.openxmlformats.org/officeDocument/2006/relationships" xmlns:p="http://schemas.openxmlformats.org/presentationml/2006/main">
+  <p:cSld>
+    <p:spTree>
+      <p:nvGrpSpPr>
+        <p:cNvPr id="1" name=""/>
+        <p:cNvGrpSpPr/>
+        <p:nvPr/>
+      </p:nvGrpSpPr>
+      <p:grpSpPr>
+        <a:xfrm>
+          <a:off x="0" y="0"/>
+          <a:ext cx="0" cy="0"/>
+          <a:chOff x="0" y="0"/>
+          <a:chExt cx="0" cy="0"/>
+        </a:xfrm>
+      </p:grpSpPr>
+      <p:sp>
+        <p:nvSpPr>
+          <p:cNvPr id="2" name="Title 1"/>
+          <p:cNvSpPr>
+            <a:spLocks noGrp="1"/>
+          </p:cNvSpPr>
+          <p:nvPr>
+            <p:ph type="title"/>
+          </p:nvPr>
+        </p:nvSpPr>
+        <p:spPr/>
+        <p:txBody>
+          <a:bodyPr/>
+          <a:lstStyle/>
+          <a:p>
+            <a:pPr lvl="0" marL="0" indent="0">
+              <a:buNone/>
+            </a:pPr>
+            <a:r>
+              <a:rPr/>
+              <a:t>Quasi-Experimental</a:t>
+            </a:r>
+            <a:r>
+              <a:rPr/>
+              <a:t> </a:t>
+            </a:r>
+            <a:r>
+              <a:rPr/>
+              <a:t>Designs</a:t>
+            </a:r>
+          </a:p>
+        </p:txBody>
+      </p:sp>
+      <p:sp>
+        <p:nvSpPr>
+          <p:cNvPr id="3" name="Content Placeholder 2"/>
+          <p:cNvSpPr>
+            <a:spLocks noGrp="1"/>
+          </p:cNvSpPr>
+          <p:nvPr>
+            <p:ph idx="1"/>
+          </p:nvPr>
+        </p:nvSpPr>
+        <p:spPr/>
+        <p:txBody>
+          <a:bodyPr/>
+          <a:lstStyle/>
+          <a:p>
+            <a:pPr lvl="1"/>
+            <a:r>
+              <a:rPr/>
+              <a:t>Typical examples of Q-E designs</a:t>
+            </a:r>
+          </a:p>
+          <a:p>
+            <a:pPr lvl="2"/>
+            <a:r>
+              <a:rPr/>
+              <a:t>Case-control study</a:t>
+            </a:r>
+          </a:p>
+          <a:p>
+            <a:pPr lvl="2"/>
+            <a:r>
+              <a:rPr/>
+              <a:t>Cohort study</a:t>
+            </a:r>
+          </a:p>
+          <a:p>
+            <a:pPr lvl="2"/>
+            <a:r>
+              <a:rPr/>
+              <a:t>Non-equivalent control group design</a:t>
+            </a:r>
+          </a:p>
+          <a:p>
+            <a:pPr lvl="2"/>
+            <a:r>
+              <a:rPr/>
+              <a:t>Interrupted time-series design</a:t>
+            </a:r>
+          </a:p>
+          <a:p>
+            <a:pPr lvl="2"/>
+            <a:r>
+              <a:rPr/>
+              <a:t>Single system design</a:t>
+            </a:r>
+          </a:p>
+        </p:txBody>
+      </p:sp>
+    </p:spTree>
+  </p:cSld>
+</p:sld>
+</file>
+
+<file path=ppt/slides/slide22.xml><?xml version="1.0" encoding="utf-8"?>
+<p:sld xmlns:a="http://schemas.openxmlformats.org/drawingml/2006/main" xmlns:r="http://schemas.openxmlformats.org/officeDocument/2006/relationships" xmlns:p="http://schemas.openxmlformats.org/presentationml/2006/main">
+  <p:cSld>
+    <p:spTree>
+      <p:nvGrpSpPr>
+        <p:cNvPr id="1" name=""/>
+        <p:cNvGrpSpPr/>
+        <p:nvPr/>
+      </p:nvGrpSpPr>
+      <p:grpSpPr>
+        <a:xfrm>
+          <a:off x="0" y="0"/>
+          <a:ext cx="0" cy="0"/>
+          <a:chOff x="0" y="0"/>
+          <a:chExt cx="0" cy="0"/>
+        </a:xfrm>
+      </p:grpSpPr>
+      <p:sp>
+        <p:nvSpPr>
+          <p:cNvPr id="2" name="Title 1"/>
+          <p:cNvSpPr>
+            <a:spLocks noGrp="1"/>
+          </p:cNvSpPr>
+          <p:nvPr>
+            <p:ph type="title"/>
+          </p:nvPr>
+        </p:nvSpPr>
+        <p:spPr/>
+        <p:txBody>
+          <a:bodyPr/>
+          <a:lstStyle/>
+          <a:p>
+            <a:pPr lvl="0" marL="0" indent="0">
+              <a:buNone/>
+            </a:pPr>
+            <a:r>
+              <a:rPr/>
+              <a:t>Randomized</a:t>
+            </a:r>
+            <a:r>
+              <a:rPr/>
+              <a:t> </a:t>
+            </a:r>
+            <a:r>
+              <a:rPr/>
+              <a:t>Experimental</a:t>
+            </a:r>
+            <a:r>
+              <a:rPr/>
+              <a:t> </a:t>
+            </a:r>
+            <a:r>
+              <a:rPr/>
+              <a:t>Designs</a:t>
+            </a:r>
+          </a:p>
+        </p:txBody>
+      </p:sp>
+      <p:sp>
+        <p:nvSpPr>
+          <p:cNvPr id="3" name="Content Placeholder 2"/>
+          <p:cNvSpPr>
+            <a:spLocks noGrp="1"/>
+          </p:cNvSpPr>
+          <p:nvPr>
+            <p:ph idx="1"/>
+          </p:nvPr>
+        </p:nvSpPr>
+        <p:spPr/>
+        <p:txBody>
+          <a:bodyPr/>
+          <a:lstStyle/>
+          <a:p>
+            <a:pPr lvl="1"/>
+            <a:r>
+              <a:rPr/>
+              <a:t>Characteristics</a:t>
+            </a:r>
+          </a:p>
+          <a:p>
+            <a:pPr lvl="2"/>
+            <a:r>
+              <a:rPr/>
+              <a:t>Assignment</a:t>
+            </a:r>
+          </a:p>
+          <a:p>
+            <a:pPr lvl="2"/>
+            <a:r>
+              <a:rPr/>
+              <a:t>Type of IV</a:t>
+            </a:r>
+          </a:p>
+          <a:p>
+            <a:pPr lvl="2"/>
+            <a:r>
+              <a:rPr/>
+              <a:t>Control of IV</a:t>
+            </a:r>
+          </a:p>
+          <a:p>
+            <a:pPr lvl="1"/>
+            <a:r>
+              <a:rPr/>
+              <a:t>Purpose</a:t>
+            </a:r>
+          </a:p>
+        </p:txBody>
+      </p:sp>
+    </p:spTree>
+  </p:cSld>
+</p:sld>
+</file>
+
+<file path=ppt/slides/slide23.xml><?xml version="1.0" encoding="utf-8"?>
+<p:sld xmlns:a="http://schemas.openxmlformats.org/drawingml/2006/main" xmlns:r="http://schemas.openxmlformats.org/officeDocument/2006/relationships" xmlns:p="http://schemas.openxmlformats.org/presentationml/2006/main">
+  <p:cSld>
+    <p:spTree>
+      <p:nvGrpSpPr>
+        <p:cNvPr id="1" name=""/>
+        <p:cNvGrpSpPr/>
+        <p:nvPr/>
+      </p:nvGrpSpPr>
+      <p:grpSpPr>
+        <a:xfrm>
+          <a:off x="0" y="0"/>
+          <a:ext cx="0" cy="0"/>
+          <a:chOff x="0" y="0"/>
+          <a:chExt cx="0" cy="0"/>
+        </a:xfrm>
+      </p:grpSpPr>
+      <p:sp>
+        <p:nvSpPr>
+          <p:cNvPr id="2" name="Title 1"/>
+          <p:cNvSpPr>
+            <a:spLocks noGrp="1"/>
+          </p:cNvSpPr>
+          <p:nvPr>
+            <p:ph type="title"/>
+          </p:nvPr>
+        </p:nvSpPr>
+        <p:spPr/>
+        <p:txBody>
+          <a:bodyPr/>
+          <a:lstStyle/>
+          <a:p>
+            <a:pPr lvl="0" marL="0" indent="0">
+              <a:buNone/>
+            </a:pPr>
+            <a:r>
+              <a:rPr/>
+              <a:t>Randomized</a:t>
+            </a:r>
+            <a:r>
+              <a:rPr/>
+              <a:t> </a:t>
+            </a:r>
+            <a:r>
+              <a:rPr/>
+              <a:t>Experimental</a:t>
+            </a:r>
+            <a:r>
+              <a:rPr/>
+              <a:t> </a:t>
+            </a:r>
+            <a:r>
+              <a:rPr/>
+              <a:t>Designs</a:t>
+            </a:r>
+          </a:p>
+        </p:txBody>
+      </p:sp>
+      <p:sp>
+        <p:nvSpPr>
+          <p:cNvPr id="3" name="Content Placeholder 2"/>
+          <p:cNvSpPr>
+            <a:spLocks noGrp="1"/>
+          </p:cNvSpPr>
+          <p:nvPr>
+            <p:ph idx="1"/>
+          </p:nvPr>
+        </p:nvSpPr>
+        <p:spPr/>
+        <p:txBody>
+          <a:bodyPr/>
+          <a:lstStyle/>
+          <a:p>
+            <a:pPr lvl="1"/>
+            <a:r>
+              <a:rPr/>
+              <a:t>Posttest-Only Control Group</a:t>
+            </a:r>
+          </a:p>
+          <a:p>
+            <a:pPr lvl="2"/>
+            <a:r>
+              <a:rPr/>
+              <a:t>R E: X O</a:t>
+            </a:r>
+          </a:p>
+          <a:p>
+            <a:pPr lvl="2"/>
+            <a:r>
+              <a:rPr/>
+              <a:t>R C: X O</a:t>
+            </a:r>
+          </a:p>
+          <a:p>
+            <a:pPr lvl="2"/>
+            <a:r>
+              <a:rPr/>
+              <a:t>Strengths</a:t>
+            </a:r>
+          </a:p>
+          <a:p>
+            <a:pPr lvl="2"/>
+            <a:r>
+              <a:rPr/>
+              <a:t>Weaknesses</a:t>
+            </a:r>
+          </a:p>
+        </p:txBody>
+      </p:sp>
+    </p:spTree>
+  </p:cSld>
+</p:sld>
+</file>
+
+<file path=ppt/slides/slide24.xml><?xml version="1.0" encoding="utf-8"?>
+<p:sld xmlns:a="http://schemas.openxmlformats.org/drawingml/2006/main" xmlns:r="http://schemas.openxmlformats.org/officeDocument/2006/relationships" xmlns:p="http://schemas.openxmlformats.org/presentationml/2006/main">
+  <p:cSld>
+    <p:spTree>
+      <p:nvGrpSpPr>
+        <p:cNvPr id="1" name=""/>
+        <p:cNvGrpSpPr/>
+        <p:nvPr/>
+      </p:nvGrpSpPr>
+      <p:grpSpPr>
+        <a:xfrm>
+          <a:off x="0" y="0"/>
+          <a:ext cx="0" cy="0"/>
+          <a:chOff x="0" y="0"/>
+          <a:chExt cx="0" cy="0"/>
+        </a:xfrm>
+      </p:grpSpPr>
+      <p:sp>
+        <p:nvSpPr>
+          <p:cNvPr id="2" name="Title 1"/>
+          <p:cNvSpPr>
+            <a:spLocks noGrp="1"/>
+          </p:cNvSpPr>
+          <p:nvPr>
+            <p:ph type="title"/>
+          </p:nvPr>
+        </p:nvSpPr>
+        <p:spPr/>
+        <p:txBody>
+          <a:bodyPr/>
+          <a:lstStyle/>
+          <a:p>
+            <a:pPr lvl="0" marL="0" indent="0">
+              <a:buNone/>
+            </a:pPr>
+            <a:r>
+              <a:rPr/>
+              <a:t>Randomized</a:t>
+            </a:r>
+            <a:r>
+              <a:rPr/>
+              <a:t> </a:t>
+            </a:r>
+            <a:r>
+              <a:rPr/>
+              <a:t>Experimental</a:t>
+            </a:r>
+            <a:r>
+              <a:rPr/>
+              <a:t> </a:t>
+            </a:r>
+            <a:r>
+              <a:rPr/>
+              <a:t>Designs</a:t>
+            </a:r>
+          </a:p>
+        </p:txBody>
+      </p:sp>
+      <p:sp>
+        <p:nvSpPr>
+          <p:cNvPr id="3" name="Content Placeholder 2"/>
+          <p:cNvSpPr>
+            <a:spLocks noGrp="1"/>
+          </p:cNvSpPr>
+          <p:nvPr>
+            <p:ph idx="1"/>
+          </p:nvPr>
+        </p:nvSpPr>
+        <p:spPr/>
+        <p:txBody>
+          <a:bodyPr/>
+          <a:lstStyle/>
+          <a:p>
+            <a:pPr lvl="1"/>
+            <a:r>
+              <a:rPr/>
+              <a:t>Pretest-Posttest Control Group</a:t>
+            </a:r>
+          </a:p>
+          <a:p>
+            <a:pPr lvl="2"/>
+            <a:r>
+              <a:rPr/>
+              <a:t>R E: O1 X O2</a:t>
+            </a:r>
+          </a:p>
+          <a:p>
+            <a:pPr lvl="2"/>
+            <a:r>
+              <a:rPr/>
+              <a:t>R C: O1 ~X O2</a:t>
+            </a:r>
+          </a:p>
+          <a:p>
+            <a:pPr lvl="2"/>
+            <a:r>
+              <a:rPr/>
+              <a:t>Strengths</a:t>
+            </a:r>
+          </a:p>
+          <a:p>
+            <a:pPr lvl="2"/>
+            <a:r>
+              <a:rPr/>
+              <a:t>Weaknesses</a:t>
+            </a:r>
+          </a:p>
+        </p:txBody>
+      </p:sp>
+    </p:spTree>
+  </p:cSld>
+</p:sld>
+</file>
+
+<file path=ppt/slides/slide25.xml><?xml version="1.0" encoding="utf-8"?>
+<p:sld xmlns:a="http://schemas.openxmlformats.org/drawingml/2006/main" xmlns:r="http://schemas.openxmlformats.org/officeDocument/2006/relationships" xmlns:p="http://schemas.openxmlformats.org/presentationml/2006/main">
+  <p:cSld>
+    <p:spTree>
+      <p:nvGrpSpPr>
+        <p:cNvPr id="1" name=""/>
+        <p:cNvGrpSpPr/>
+        <p:nvPr/>
+      </p:nvGrpSpPr>
+      <p:grpSpPr>
+        <a:xfrm>
+          <a:off x="0" y="0"/>
+          <a:ext cx="0" cy="0"/>
+          <a:chOff x="0" y="0"/>
+          <a:chExt cx="0" cy="0"/>
+        </a:xfrm>
+      </p:grpSpPr>
+      <p:sp>
+        <p:nvSpPr>
+          <p:cNvPr id="2" name="Title 1"/>
+          <p:cNvSpPr>
+            <a:spLocks noGrp="1"/>
+          </p:cNvSpPr>
+          <p:nvPr>
+            <p:ph type="title"/>
+          </p:nvPr>
+        </p:nvSpPr>
+        <p:spPr/>
+        <p:txBody>
+          <a:bodyPr/>
+          <a:lstStyle/>
+          <a:p>
+            <a:pPr lvl="0" marL="0" indent="0">
+              <a:buNone/>
+            </a:pPr>
+            <a:r>
+              <a:rPr/>
+              <a:t>Randomized</a:t>
+            </a:r>
+            <a:r>
+              <a:rPr/>
+              <a:t> </a:t>
+            </a:r>
+            <a:r>
+              <a:rPr/>
+              <a:t>Experimental</a:t>
+            </a:r>
+            <a:r>
+              <a:rPr/>
+              <a:t> </a:t>
+            </a:r>
+            <a:r>
+              <a:rPr/>
+              <a:t>Designs</a:t>
+            </a:r>
+          </a:p>
+        </p:txBody>
+      </p:sp>
+      <p:sp>
+        <p:nvSpPr>
+          <p:cNvPr id="3" name="Content Placeholder 2"/>
+          <p:cNvSpPr>
+            <a:spLocks noGrp="1"/>
+          </p:cNvSpPr>
+          <p:nvPr>
+            <p:ph idx="1"/>
+          </p:nvPr>
+        </p:nvSpPr>
+        <p:spPr/>
+        <p:txBody>
+          <a:bodyPr/>
+          <a:lstStyle/>
+          <a:p>
+            <a:pPr lvl="1"/>
+            <a:r>
+              <a:rPr/>
+              <a:t>Solomon Four-Group</a:t>
+            </a:r>
+          </a:p>
+          <a:p>
+            <a:pPr lvl="2"/>
+            <a:r>
+              <a:rPr/>
+              <a:t>R E1: O1 X O2</a:t>
+            </a:r>
+          </a:p>
+          <a:p>
+            <a:pPr lvl="2"/>
+            <a:r>
+              <a:rPr/>
+              <a:t>R E2: X O2</a:t>
+            </a:r>
+          </a:p>
+          <a:p>
+            <a:pPr lvl="2"/>
+            <a:r>
+              <a:rPr/>
+              <a:t>R C1: O1 ~X O2</a:t>
+            </a:r>
+          </a:p>
+          <a:p>
+            <a:pPr lvl="2"/>
+            <a:r>
+              <a:rPr/>
+              <a:t>R C2: ~X O2</a:t>
+            </a:r>
+          </a:p>
+          <a:p>
+            <a:pPr lvl="2"/>
+            <a:r>
+              <a:rPr/>
+              <a:t>Strengths</a:t>
+            </a:r>
+          </a:p>
+          <a:p>
+            <a:pPr lvl="2"/>
+            <a:r>
+              <a:rPr/>
+              <a:t>Weaknesses</a:t>
+            </a:r>
+          </a:p>
+        </p:txBody>
+      </p:sp>
+    </p:spTree>
+  </p:cSld>
+</p:sld>
+</file>
+
+<file path=ppt/slides/slide26.xml><?xml version="1.0" encoding="utf-8"?>
+<p:sld xmlns:a="http://schemas.openxmlformats.org/drawingml/2006/main" xmlns:r="http://schemas.openxmlformats.org/officeDocument/2006/relationships" xmlns:p="http://schemas.openxmlformats.org/presentationml/2006/main">
+  <p:cSld>
+    <p:spTree>
+      <p:nvGrpSpPr>
+        <p:cNvPr id="1" name=""/>
+        <p:cNvGrpSpPr/>
+        <p:nvPr/>
+      </p:nvGrpSpPr>
+      <p:grpSpPr>
+        <a:xfrm>
+          <a:off x="0" y="0"/>
+          <a:ext cx="0" cy="0"/>
+          <a:chOff x="0" y="0"/>
+          <a:chExt cx="0" cy="0"/>
+        </a:xfrm>
+      </p:grpSpPr>
+      <p:sp>
+        <p:nvSpPr>
+          <p:cNvPr id="2" name="Title 1"/>
+          <p:cNvSpPr>
+            <a:spLocks noGrp="1"/>
+          </p:cNvSpPr>
+          <p:nvPr>
+            <p:ph type="title"/>
+          </p:nvPr>
+        </p:nvSpPr>
+        <p:spPr/>
+        <p:txBody>
+          <a:bodyPr/>
+          <a:lstStyle/>
+          <a:p>
+            <a:pPr lvl="0" marL="0" indent="0">
+              <a:buNone/>
+            </a:pPr>
+            <a:r>
+              <a:rPr/>
+              <a:t>Randomized</a:t>
+            </a:r>
+            <a:r>
+              <a:rPr/>
+              <a:t> </a:t>
+            </a:r>
+            <a:r>
+              <a:rPr/>
+              <a:t>Experimental</a:t>
+            </a:r>
+            <a:r>
+              <a:rPr/>
+              <a:t> </a:t>
+            </a:r>
+            <a:r>
+              <a:rPr/>
+              <a:t>Designs</a:t>
+            </a:r>
+          </a:p>
+        </p:txBody>
+      </p:sp>
+      <p:sp>
+        <p:nvSpPr>
+          <p:cNvPr id="3" name="Content Placeholder 2"/>
+          <p:cNvSpPr>
+            <a:spLocks noGrp="1"/>
+          </p:cNvSpPr>
+          <p:nvPr>
+            <p:ph idx="1"/>
+          </p:nvPr>
+        </p:nvSpPr>
+        <p:spPr/>
+        <p:txBody>
+          <a:bodyPr/>
+          <a:lstStyle/>
+          <a:p>
+            <a:pPr lvl="1"/>
+            <a:r>
+              <a:rPr/>
+              <a:t>Randomized Experimental Design with Matching</a:t>
+            </a:r>
+          </a:p>
+          <a:p>
+            <a:pPr lvl="2"/>
+            <a:r>
+              <a:rPr/>
+              <a:t>M R E: X O</a:t>
+            </a:r>
+          </a:p>
+          <a:p>
+            <a:pPr lvl="2"/>
+            <a:r>
+              <a:rPr/>
+              <a:t>M R C: ~X O</a:t>
+            </a:r>
+          </a:p>
+          <a:p>
+            <a:pPr lvl="2"/>
+            <a:r>
+              <a:rPr/>
+              <a:t>Strengths</a:t>
+            </a:r>
+          </a:p>
+          <a:p>
+            <a:pPr lvl="2"/>
+            <a:r>
+              <a:rPr/>
+              <a:t>Weaknesses</a:t>
+            </a:r>
+          </a:p>
+        </p:txBody>
+      </p:sp>
+    </p:spTree>
+  </p:cSld>
+</p:sld>
+</file>
+
+<file path=ppt/slides/slide27.xml><?xml version="1.0" encoding="utf-8"?>
+<p:sld xmlns:a="http://schemas.openxmlformats.org/drawingml/2006/main" xmlns:r="http://schemas.openxmlformats.org/officeDocument/2006/relationships" xmlns:p="http://schemas.openxmlformats.org/presentationml/2006/main">
+  <p:cSld>
+    <p:spTree>
+      <p:nvGrpSpPr>
+        <p:cNvPr id="1" name=""/>
+        <p:cNvGrpSpPr/>
+        <p:nvPr/>
+      </p:nvGrpSpPr>
+      <p:grpSpPr>
+        <a:xfrm>
+          <a:off x="0" y="0"/>
+          <a:ext cx="0" cy="0"/>
+          <a:chOff x="0" y="0"/>
+          <a:chExt cx="0" cy="0"/>
+        </a:xfrm>
+      </p:grpSpPr>
+      <p:sp>
+        <p:nvSpPr>
+          <p:cNvPr id="2" name="Title 1"/>
+          <p:cNvSpPr>
+            <a:spLocks noGrp="1"/>
+          </p:cNvSpPr>
+          <p:nvPr>
+            <p:ph type="title"/>
+          </p:nvPr>
+        </p:nvSpPr>
+        <p:spPr/>
+        <p:txBody>
+          <a:bodyPr/>
+          <a:lstStyle/>
+          <a:p>
+            <a:pPr lvl="0" marL="0" indent="0">
+              <a:buNone/>
+            </a:pPr>
+            <a:r>
+              <a:rPr/>
+              <a:t>Randomized</a:t>
+            </a:r>
+            <a:r>
+              <a:rPr/>
+              <a:t> </a:t>
+            </a:r>
+            <a:r>
+              <a:rPr/>
+              <a:t>Experimental</a:t>
+            </a:r>
+            <a:r>
+              <a:rPr/>
+              <a:t> </a:t>
+            </a:r>
+            <a:r>
+              <a:rPr/>
+              <a:t>Designs</a:t>
+            </a:r>
+          </a:p>
+        </p:txBody>
+      </p:sp>
+      <p:sp>
+        <p:nvSpPr>
+          <p:cNvPr id="3" name="Content Placeholder 2"/>
+          <p:cNvSpPr>
+            <a:spLocks noGrp="1"/>
+          </p:cNvSpPr>
+          <p:nvPr>
+            <p:ph idx="1"/>
+          </p:nvPr>
+        </p:nvSpPr>
+        <p:spPr/>
+        <p:txBody>
+          <a:bodyPr/>
+          <a:lstStyle/>
+          <a:p>
+            <a:pPr lvl="1"/>
+            <a:r>
+              <a:rPr/>
+              <a:t>Within-Subjects Randomized Experimental (Crossover) Design</a:t>
+            </a:r>
+          </a:p>
+          <a:p>
+            <a:pPr lvl="2"/>
+            <a:r>
+              <a:rPr/>
+              <a:t>R Order 1 X O1 ~X O2</a:t>
+            </a:r>
+          </a:p>
+          <a:p>
+            <a:pPr lvl="2"/>
+            <a:r>
+              <a:rPr/>
+              <a:t>R Order 2 ~X O1 X O2</a:t>
+            </a:r>
+          </a:p>
+          <a:p>
+            <a:pPr lvl="2"/>
+            <a:r>
+              <a:rPr/>
+              <a:t>Strengths</a:t>
+            </a:r>
+          </a:p>
+          <a:p>
+            <a:pPr lvl="2"/>
+            <a:r>
+              <a:rPr/>
+              <a:t>Weaknesses</a:t>
+            </a:r>
+          </a:p>
+        </p:txBody>
+      </p:sp>
+    </p:spTree>
+  </p:cSld>
+</p:sld>
+</file>
+
+<file path=ppt/slides/slide28.xml><?xml version="1.0" encoding="utf-8"?>
+<p:sld xmlns:a="http://schemas.openxmlformats.org/drawingml/2006/main" xmlns:r="http://schemas.openxmlformats.org/officeDocument/2006/relationships" xmlns:p="http://schemas.openxmlformats.org/presentationml/2006/main">
+  <p:cSld>
+    <p:spTree>
+      <p:nvGrpSpPr>
+        <p:cNvPr id="1" name=""/>
+        <p:cNvGrpSpPr/>
+        <p:nvPr/>
+      </p:nvGrpSpPr>
+      <p:grpSpPr>
+        <a:xfrm>
+          <a:off x="0" y="0"/>
+          <a:ext cx="0" cy="0"/>
+          <a:chOff x="0" y="0"/>
+          <a:chExt cx="0" cy="0"/>
+        </a:xfrm>
+      </p:grpSpPr>
+      <p:sp>
+        <p:nvSpPr>
+          <p:cNvPr id="2" name="Title 1"/>
+          <p:cNvSpPr>
+            <a:spLocks noGrp="1"/>
+          </p:cNvSpPr>
+          <p:nvPr>
+            <p:ph type="title"/>
+          </p:nvPr>
+        </p:nvSpPr>
+        <p:spPr/>
+        <p:txBody>
+          <a:bodyPr/>
+          <a:lstStyle/>
+          <a:p>
+            <a:pPr lvl="0" marL="0" indent="0">
+              <a:buNone/>
+            </a:pPr>
+            <a:r>
+              <a:rPr/>
+              <a:t>Randomized</a:t>
+            </a:r>
+            <a:r>
+              <a:rPr/>
+              <a:t> </a:t>
+            </a:r>
+            <a:r>
+              <a:rPr/>
+              <a:t>Experimental</a:t>
+            </a:r>
+            <a:r>
+              <a:rPr/>
+              <a:t> </a:t>
+            </a:r>
+            <a:r>
+              <a:rPr/>
+              <a:t>and</a:t>
+            </a:r>
+            <a:r>
+              <a:rPr/>
+              <a:t> </a:t>
+            </a:r>
+            <a:r>
+              <a:rPr/>
+              <a:t>Q-E</a:t>
+            </a:r>
+            <a:r>
+              <a:rPr/>
+              <a:t> </a:t>
+            </a:r>
+            <a:r>
+              <a:rPr/>
+              <a:t>Designs</a:t>
+            </a:r>
+          </a:p>
+        </p:txBody>
+      </p:sp>
+      <p:pic>
+        <p:nvPicPr>
+          <p:cNvPr descr="../images/image-05-07.png" id="0" name="Picture 1"/>
+          <p:cNvPicPr>
+            <a:picLocks noGrp="1" noChangeAspect="1"/>
+          </p:cNvPicPr>
+          <p:nvPr/>
+        </p:nvPicPr>
+        <p:blipFill>
+          <a:blip r:embed="rId2"/>
+          <a:stretch>
+            <a:fillRect/>
+          </a:stretch>
+        </p:blipFill>
+        <p:spPr bwMode="auto">
+          <a:xfrm>
+            <a:off x="2755900" y="1600200"/>
+            <a:ext cx="3619500" cy="4521200"/>
+          </a:xfrm>
+          <a:prstGeom prst="rect">
+            <a:avLst/>
+          </a:prstGeom>
+          <a:noFill/>
+          <a:ln w="9525">
+            <a:noFill/>
+            <a:headEnd/>
+            <a:tailEnd/>
+          </a:ln>
+        </p:spPr>
+      </p:pic>
+    </p:spTree>
+  </p:cSld>
+</p:sld>
+</file>
+
+<file path=ppt/slides/slide29.xml><?xml version="1.0" encoding="utf-8"?>
+<p:sld xmlns:a="http://schemas.openxmlformats.org/drawingml/2006/main" xmlns:r="http://schemas.openxmlformats.org/officeDocument/2006/relationships" xmlns:p="http://schemas.openxmlformats.org/presentationml/2006/main">
+  <p:cSld>
+    <p:spTree>
+      <p:nvGrpSpPr>
+        <p:cNvPr id="1" name=""/>
+        <p:cNvGrpSpPr/>
+        <p:nvPr/>
+      </p:nvGrpSpPr>
+      <p:grpSpPr>
+        <a:xfrm>
+          <a:off x="0" y="0"/>
+          <a:ext cx="0" cy="0"/>
+          <a:chOff x="0" y="0"/>
+          <a:chExt cx="0" cy="0"/>
+        </a:xfrm>
+      </p:grpSpPr>
+      <p:sp>
+        <p:nvSpPr>
+          <p:cNvPr id="2" name="Title 1"/>
+          <p:cNvSpPr>
+            <a:spLocks noGrp="1"/>
+          </p:cNvSpPr>
+          <p:nvPr>
+            <p:ph type="title"/>
+          </p:nvPr>
+        </p:nvSpPr>
+        <p:spPr/>
+        <p:txBody>
+          <a:bodyPr/>
+          <a:lstStyle/>
+          <a:p>
+            <a:pPr lvl="0" marL="0" indent="0">
+              <a:buNone/>
+            </a:pPr>
+            <a:r>
+              <a:rPr/>
+              <a:t>Research</a:t>
+            </a:r>
+            <a:r>
+              <a:rPr/>
+              <a:t> </a:t>
+            </a:r>
+            <a:r>
+              <a:rPr/>
+              <a:t>Design</a:t>
+            </a:r>
+          </a:p>
+        </p:txBody>
+      </p:sp>
+      <p:sp>
+        <p:nvSpPr>
+          <p:cNvPr id="3" name="Content Placeholder 2"/>
+          <p:cNvSpPr>
+            <a:spLocks noGrp="1"/>
+          </p:cNvSpPr>
+          <p:nvPr>
+            <p:ph idx="1"/>
+          </p:nvPr>
+        </p:nvSpPr>
+        <p:spPr/>
+        <p:txBody>
+          <a:bodyPr/>
+          <a:lstStyle/>
+          <a:p>
+            <a:pPr lvl="1"/>
+            <a:r>
+              <a:rPr/>
+              <a:t>Sim &amp; Wright. </a:t>
+            </a:r>
+            <a:r>
+              <a:rPr i="1"/>
+              <a:t>Research in Health Care</a:t>
+            </a:r>
+            <a:r>
+              <a:rPr/>
+              <a:t> . 2000. Table 4.2</a:t>
             </a:r>
           </a:p>
         </p:txBody>
@@ -3407,6 +5628,508 @@
 </p:sld>
 </file>
 
+<file path=ppt/slides/slide30.xml><?xml version="1.0" encoding="utf-8"?>
+<p:sld xmlns:a="http://schemas.openxmlformats.org/drawingml/2006/main" xmlns:r="http://schemas.openxmlformats.org/officeDocument/2006/relationships" xmlns:p="http://schemas.openxmlformats.org/presentationml/2006/main">
+  <p:cSld>
+    <p:spTree>
+      <p:nvGrpSpPr>
+        <p:cNvPr id="1" name=""/>
+        <p:cNvGrpSpPr/>
+        <p:nvPr/>
+      </p:nvGrpSpPr>
+      <p:grpSpPr>
+        <a:xfrm>
+          <a:off x="0" y="0"/>
+          <a:ext cx="0" cy="0"/>
+          <a:chOff x="0" y="0"/>
+          <a:chExt cx="0" cy="0"/>
+        </a:xfrm>
+      </p:grpSpPr>
+      <p:pic>
+        <p:nvPicPr>
+          <p:cNvPr descr="../images/image-05-08.jpg" id="0" name="Picture 1"/>
+          <p:cNvPicPr>
+            <a:picLocks noGrp="1" noChangeAspect="1"/>
+          </p:cNvPicPr>
+          <p:nvPr/>
+        </p:nvPicPr>
+        <p:blipFill>
+          <a:blip r:embed="rId2"/>
+          <a:stretch>
+            <a:fillRect/>
+          </a:stretch>
+        </p:blipFill>
+        <p:spPr bwMode="auto">
+          <a:xfrm>
+            <a:off x="457200" y="1930400"/>
+            <a:ext cx="8229600" cy="3860800"/>
+          </a:xfrm>
+          <a:prstGeom prst="rect">
+            <a:avLst/>
+          </a:prstGeom>
+          <a:noFill/>
+          <a:ln w="9525">
+            <a:noFill/>
+            <a:headEnd/>
+            <a:tailEnd/>
+          </a:ln>
+        </p:spPr>
+      </p:pic>
+    </p:spTree>
+  </p:cSld>
+</p:sld>
+</file>
+
+<file path=ppt/slides/slide31.xml><?xml version="1.0" encoding="utf-8"?>
+<p:sld xmlns:a="http://schemas.openxmlformats.org/drawingml/2006/main" xmlns:r="http://schemas.openxmlformats.org/officeDocument/2006/relationships" xmlns:p="http://schemas.openxmlformats.org/presentationml/2006/main">
+  <p:cSld>
+    <p:spTree>
+      <p:nvGrpSpPr>
+        <p:cNvPr id="1" name=""/>
+        <p:cNvGrpSpPr/>
+        <p:nvPr/>
+      </p:nvGrpSpPr>
+      <p:grpSpPr>
+        <a:xfrm>
+          <a:off x="0" y="0"/>
+          <a:ext cx="0" cy="0"/>
+          <a:chOff x="0" y="0"/>
+          <a:chExt cx="0" cy="0"/>
+        </a:xfrm>
+      </p:grpSpPr>
+      <p:sp>
+        <p:nvSpPr>
+          <p:cNvPr id="2" name="Title 1"/>
+          <p:cNvSpPr>
+            <a:spLocks noGrp="1"/>
+          </p:cNvSpPr>
+          <p:nvPr>
+            <p:ph type="title"/>
+          </p:nvPr>
+        </p:nvSpPr>
+        <p:spPr/>
+        <p:txBody>
+          <a:bodyPr/>
+          <a:lstStyle/>
+          <a:p>
+            <a:pPr lvl="0" marL="0" indent="0">
+              <a:buNone/>
+            </a:pPr>
+            <a:r>
+              <a:rPr/>
+              <a:t>Research</a:t>
+            </a:r>
+            <a:r>
+              <a:rPr/>
+              <a:t> </a:t>
+            </a:r>
+            <a:r>
+              <a:rPr/>
+              <a:t>Design</a:t>
+            </a:r>
+          </a:p>
+        </p:txBody>
+      </p:sp>
+      <p:sp>
+        <p:nvSpPr>
+          <p:cNvPr id="3" name="Content Placeholder 2"/>
+          <p:cNvSpPr>
+            <a:spLocks noGrp="1"/>
+          </p:cNvSpPr>
+          <p:nvPr>
+            <p:ph idx="1"/>
+          </p:nvPr>
+        </p:nvSpPr>
+        <p:spPr/>
+        <p:txBody>
+          <a:bodyPr/>
+          <a:lstStyle/>
+          <a:p>
+            <a:pPr lvl="1"/>
+            <a:r>
+              <a:rPr/>
+              <a:t>Sim &amp; Wright. </a:t>
+            </a:r>
+            <a:r>
+              <a:rPr i="1"/>
+              <a:t>Research in Health Care</a:t>
+            </a:r>
+            <a:r>
+              <a:rPr/>
+              <a:t> . 2000. Table 4.3</a:t>
+            </a:r>
+          </a:p>
+        </p:txBody>
+      </p:sp>
+    </p:spTree>
+  </p:cSld>
+</p:sld>
+</file>
+
+<file path=ppt/slides/slide32.xml><?xml version="1.0" encoding="utf-8"?>
+<p:sld xmlns:a="http://schemas.openxmlformats.org/drawingml/2006/main" xmlns:r="http://schemas.openxmlformats.org/officeDocument/2006/relationships" xmlns:p="http://schemas.openxmlformats.org/presentationml/2006/main">
+  <p:cSld>
+    <p:spTree>
+      <p:nvGrpSpPr>
+        <p:cNvPr id="1" name=""/>
+        <p:cNvGrpSpPr/>
+        <p:nvPr/>
+      </p:nvGrpSpPr>
+      <p:grpSpPr>
+        <a:xfrm>
+          <a:off x="0" y="0"/>
+          <a:ext cx="0" cy="0"/>
+          <a:chOff x="0" y="0"/>
+          <a:chExt cx="0" cy="0"/>
+        </a:xfrm>
+      </p:grpSpPr>
+      <p:pic>
+        <p:nvPicPr>
+          <p:cNvPr descr="../images/image-05-09.png" id="0" name="Picture 1"/>
+          <p:cNvPicPr>
+            <a:picLocks noGrp="1" noChangeAspect="1"/>
+          </p:cNvPicPr>
+          <p:nvPr/>
+        </p:nvPicPr>
+        <p:blipFill>
+          <a:blip r:embed="rId2"/>
+          <a:stretch>
+            <a:fillRect/>
+          </a:stretch>
+        </p:blipFill>
+        <p:spPr bwMode="auto">
+          <a:xfrm>
+            <a:off x="457200" y="2082800"/>
+            <a:ext cx="8229600" cy="3568700"/>
+          </a:xfrm>
+          <a:prstGeom prst="rect">
+            <a:avLst/>
+          </a:prstGeom>
+          <a:noFill/>
+          <a:ln w="9525">
+            <a:noFill/>
+            <a:headEnd/>
+            <a:tailEnd/>
+          </a:ln>
+        </p:spPr>
+      </p:pic>
+    </p:spTree>
+  </p:cSld>
+</p:sld>
+</file>
+
+<file path=ppt/slides/slide33.xml><?xml version="1.0" encoding="utf-8"?>
+<p:sld xmlns:a="http://schemas.openxmlformats.org/drawingml/2006/main" xmlns:r="http://schemas.openxmlformats.org/officeDocument/2006/relationships" xmlns:p="http://schemas.openxmlformats.org/presentationml/2006/main">
+  <p:cSld>
+    <p:spTree>
+      <p:nvGrpSpPr>
+        <p:cNvPr id="1" name=""/>
+        <p:cNvGrpSpPr/>
+        <p:nvPr/>
+      </p:nvGrpSpPr>
+      <p:grpSpPr>
+        <a:xfrm>
+          <a:off x="0" y="0"/>
+          <a:ext cx="0" cy="0"/>
+          <a:chOff x="0" y="0"/>
+          <a:chExt cx="0" cy="0"/>
+        </a:xfrm>
+      </p:grpSpPr>
+      <p:sp>
+        <p:nvSpPr>
+          <p:cNvPr id="2" name="Title 1"/>
+          <p:cNvSpPr>
+            <a:spLocks noGrp="1"/>
+          </p:cNvSpPr>
+          <p:nvPr>
+            <p:ph type="title"/>
+          </p:nvPr>
+        </p:nvSpPr>
+        <p:spPr/>
+        <p:txBody>
+          <a:bodyPr/>
+          <a:lstStyle/>
+          <a:p>
+            <a:pPr lvl="0" marL="0" indent="0">
+              <a:buNone/>
+            </a:pPr>
+            <a:r>
+              <a:rPr/>
+              <a:t>Assignment</a:t>
+            </a:r>
+            <a:r>
+              <a:rPr/>
+              <a:t> </a:t>
+            </a:r>
+            <a:r>
+              <a:rPr/>
+              <a:t>#3</a:t>
+            </a:r>
+          </a:p>
+        </p:txBody>
+      </p:sp>
+      <p:sp>
+        <p:nvSpPr>
+          <p:cNvPr id="3" name="Content Placeholder 2"/>
+          <p:cNvSpPr>
+            <a:spLocks noGrp="1"/>
+          </p:cNvSpPr>
+          <p:nvPr>
+            <p:ph idx="1"/>
+          </p:nvPr>
+        </p:nvSpPr>
+        <p:spPr/>
+        <p:txBody>
+          <a:bodyPr/>
+          <a:lstStyle/>
+          <a:p>
+            <a:pPr lvl="1"/>
+            <a:r>
+              <a:rPr/>
+              <a:t>Prepare a brief description of the topic you are planning to focus on for your research proposal. (Introduction)</a:t>
+            </a:r>
+          </a:p>
+        </p:txBody>
+      </p:sp>
+    </p:spTree>
+  </p:cSld>
+</p:sld>
+</file>
+
+<file path=ppt/slides/slide34.xml><?xml version="1.0" encoding="utf-8"?>
+<p:sld xmlns:a="http://schemas.openxmlformats.org/drawingml/2006/main" xmlns:r="http://schemas.openxmlformats.org/officeDocument/2006/relationships" xmlns:p="http://schemas.openxmlformats.org/presentationml/2006/main">
+  <p:cSld>
+    <p:spTree>
+      <p:nvGrpSpPr>
+        <p:cNvPr id="1" name=""/>
+        <p:cNvGrpSpPr/>
+        <p:nvPr/>
+      </p:nvGrpSpPr>
+      <p:grpSpPr>
+        <a:xfrm>
+          <a:off x="0" y="0"/>
+          <a:ext cx="0" cy="0"/>
+          <a:chOff x="0" y="0"/>
+          <a:chExt cx="0" cy="0"/>
+        </a:xfrm>
+      </p:grpSpPr>
+      <p:sp>
+        <p:nvSpPr>
+          <p:cNvPr id="2" name="Title 1"/>
+          <p:cNvSpPr>
+            <a:spLocks noGrp="1"/>
+          </p:cNvSpPr>
+          <p:nvPr>
+            <p:ph type="title"/>
+          </p:nvPr>
+        </p:nvSpPr>
+        <p:spPr/>
+        <p:txBody>
+          <a:bodyPr/>
+          <a:lstStyle/>
+          <a:p>
+            <a:pPr lvl="0" marL="0" indent="0">
+              <a:buNone/>
+            </a:pPr>
+            <a:r>
+              <a:rPr/>
+              <a:t>Assignment</a:t>
+            </a:r>
+          </a:p>
+        </p:txBody>
+      </p:sp>
+      <p:sp>
+        <p:nvSpPr>
+          <p:cNvPr id="3" name="Content Placeholder 2"/>
+          <p:cNvSpPr>
+            <a:spLocks noGrp="1"/>
+          </p:cNvSpPr>
+          <p:nvPr>
+            <p:ph idx="1"/>
+          </p:nvPr>
+        </p:nvSpPr>
+        <p:spPr/>
+        <p:txBody>
+          <a:bodyPr/>
+          <a:lstStyle/>
+          <a:p>
+            <a:pPr lvl="1">
+              <a:buAutoNum type="arabicPeriod"/>
+            </a:pPr>
+            <a:r>
+              <a:rPr/>
+              <a:t>Prepare a brief description of the topic you are planning to focus on for your research proposal. This assignment serves as a start point for the Introduction of your research proposal.</a:t>
+            </a:r>
+          </a:p>
+          <a:p>
+            <a:pPr lvl="1">
+              <a:buAutoNum type="arabicPeriod"/>
+            </a:pPr>
+            <a:r>
+              <a:rPr/>
+              <a:t>Prepare for next weekâ€™s session</a:t>
+            </a:r>
+          </a:p>
+        </p:txBody>
+      </p:sp>
+    </p:spTree>
+  </p:cSld>
+</p:sld>
+</file>
+
+<file path=ppt/slides/slide35.xml><?xml version="1.0" encoding="utf-8"?>
+<p:sld xmlns:a="http://schemas.openxmlformats.org/drawingml/2006/main" xmlns:r="http://schemas.openxmlformats.org/officeDocument/2006/relationships" xmlns:p="http://schemas.openxmlformats.org/presentationml/2006/main">
+  <p:cSld>
+    <p:spTree>
+      <p:nvGrpSpPr>
+        <p:cNvPr id="1" name=""/>
+        <p:cNvGrpSpPr/>
+        <p:nvPr/>
+      </p:nvGrpSpPr>
+      <p:grpSpPr>
+        <a:xfrm>
+          <a:off x="0" y="0"/>
+          <a:ext cx="0" cy="0"/>
+          <a:chOff x="0" y="0"/>
+          <a:chExt cx="0" cy="0"/>
+        </a:xfrm>
+      </p:grpSpPr>
+      <p:sp>
+        <p:nvSpPr>
+          <p:cNvPr id="2" name="Title 1"/>
+          <p:cNvSpPr>
+            <a:spLocks noGrp="1"/>
+          </p:cNvSpPr>
+          <p:nvPr>
+            <p:ph type="title"/>
+          </p:nvPr>
+        </p:nvSpPr>
+        <p:spPr/>
+        <p:txBody>
+          <a:bodyPr/>
+          <a:lstStyle/>
+          <a:p>
+            <a:pPr lvl="0" marL="0" indent="0">
+              <a:buNone/>
+            </a:pPr>
+            <a:r>
+              <a:rPr/>
+              <a:t>Discussion</a:t>
+            </a:r>
+            <a:r>
+              <a:rPr/>
+              <a:t> </a:t>
+            </a:r>
+            <a:r>
+              <a:rPr/>
+              <a:t>questions</a:t>
+            </a:r>
+          </a:p>
+        </p:txBody>
+      </p:sp>
+      <p:sp>
+        <p:nvSpPr>
+          <p:cNvPr id="3" name="Content Placeholder 2"/>
+          <p:cNvSpPr>
+            <a:spLocks noGrp="1"/>
+          </p:cNvSpPr>
+          <p:nvPr>
+            <p:ph idx="1"/>
+          </p:nvPr>
+        </p:nvSpPr>
+        <p:spPr/>
+        <p:txBody>
+          <a:bodyPr/>
+          <a:lstStyle/>
+          <a:p>
+            <a:pPr lvl="1">
+              <a:buAutoNum type="arabicPeriod"/>
+            </a:pPr>
+            <a:r>
+              <a:rPr/>
+              <a:t>What kind of clinical research questions are you interested in pursuing?</a:t>
+            </a:r>
+          </a:p>
+          <a:p>
+            <a:pPr lvl="1">
+              <a:buAutoNum type="arabicPeriod"/>
+            </a:pPr>
+            <a:r>
+              <a:rPr/>
+              <a:t>Do you have previous experiences that factor into the research questions you are interested in?</a:t>
+            </a:r>
+          </a:p>
+          <a:p>
+            <a:pPr lvl="1">
+              <a:buAutoNum type="arabicPeriod"/>
+            </a:pPr>
+            <a:r>
+              <a:rPr/>
+              <a:t>What kind of design do you think would be most appropriate for the topic you are interested in?</a:t>
+            </a:r>
+          </a:p>
+        </p:txBody>
+      </p:sp>
+    </p:spTree>
+  </p:cSld>
+</p:sld>
+</file>
+
+<file path=ppt/slides/slide36.xml><?xml version="1.0" encoding="utf-8"?>
+<p:sld xmlns:a="http://schemas.openxmlformats.org/drawingml/2006/main" xmlns:r="http://schemas.openxmlformats.org/officeDocument/2006/relationships" xmlns:p="http://schemas.openxmlformats.org/presentationml/2006/main">
+  <p:cSld>
+    <p:spTree>
+      <p:nvGrpSpPr>
+        <p:cNvPr id="1" name=""/>
+        <p:cNvGrpSpPr/>
+        <p:nvPr/>
+      </p:nvGrpSpPr>
+      <p:grpSpPr>
+        <a:xfrm>
+          <a:off x="0" y="0"/>
+          <a:ext cx="0" cy="0"/>
+          <a:chOff x="0" y="0"/>
+          <a:chExt cx="0" cy="0"/>
+        </a:xfrm>
+      </p:grpSpPr>
+      <p:sp>
+        <p:nvSpPr>
+          <p:cNvPr id="2" name="Title 1"/>
+          <p:cNvSpPr>
+            <a:spLocks noGrp="1"/>
+          </p:cNvSpPr>
+          <p:nvPr>
+            <p:ph type="title"/>
+          </p:nvPr>
+        </p:nvSpPr>
+        <p:spPr/>
+        <p:txBody>
+          <a:bodyPr/>
+          <a:lstStyle/>
+          <a:p>
+            <a:pPr lvl="0" marL="0" indent="0">
+              <a:buNone/>
+            </a:pPr>
+            <a:r>
+              <a:rPr/>
+              <a:t>Additional</a:t>
+            </a:r>
+            <a:r>
+              <a:rPr/>
+              <a:t> </a:t>
+            </a:r>
+            <a:r>
+              <a:rPr/>
+              <a:t>slides</a:t>
+            </a:r>
+          </a:p>
+        </p:txBody>
+      </p:sp>
+    </p:spTree>
+  </p:cSld>
+</p:sld>
+</file>
+
 <file path=ppt/slides/slide4.xml><?xml version="1.0" encoding="utf-8"?>
 <p:sld xmlns:a="http://schemas.openxmlformats.org/drawingml/2006/main" xmlns:r="http://schemas.openxmlformats.org/officeDocument/2006/relationships" xmlns:p="http://schemas.openxmlformats.org/presentationml/2006/main">
   <p:cSld>
@@ -3573,819 +6296,36 @@
           </a:p>
         </p:txBody>
       </p:sp>
-      <p:sp>
-        <p:nvSpPr>
-          <p:cNvPr id="3" name="Content Placeholder 2"/>
-          <p:cNvSpPr>
-            <a:spLocks noGrp="1"/>
-          </p:cNvSpPr>
-          <p:nvPr>
-            <p:ph idx="1"/>
-          </p:nvPr>
-        </p:nvSpPr>
-        <p:spPr/>
-        <p:txBody>
-          <a:bodyPr/>
-          <a:lstStyle/>
-          <a:p>
-            <a:pPr lvl="1"/>
-            <a:r>
-              <a:rPr/>
-              <a:t>MEDB 5510 - Week 5 (assets/img/image1.emf) *** ### Research Approaches</a:t>
-            </a:r>
-          </a:p>
-          <a:p>
-            <a:pPr lvl="1"/>
-            <a:r>
-              <a:rPr/>
-              <a:t>MEDB 5510 - Week 5 (assets/img/image2.emf) *** ### Research Approaches</a:t>
-            </a:r>
-          </a:p>
-          <a:p>
-            <a:pPr lvl="1"/>
-            <a:r>
-              <a:rPr/>
-              <a:t>Randomized Experimental</a:t>
-            </a:r>
-          </a:p>
-          <a:p>
-            <a:pPr lvl="1"/>
-            <a:r>
-              <a:rPr/>
-              <a:t>Criteria</a:t>
-            </a:r>
-          </a:p>
-          <a:p>
-            <a:pPr lvl="2"/>
-            <a:r>
-              <a:rPr/>
-              <a:t>Random assignment</a:t>
-            </a:r>
-          </a:p>
-          <a:p>
-            <a:pPr lvl="2"/>
-            <a:r>
-              <a:rPr/>
-              <a:t>Active independent variable</a:t>
-            </a:r>
-          </a:p>
-          <a:p>
-            <a:pPr lvl="2"/>
-            <a:r>
-              <a:rPr/>
-              <a:t>(Experimenter control of active independent variable)</a:t>
-            </a:r>
-          </a:p>
-          <a:p>
-            <a:pPr lvl="3"/>
-            <a:r>
-              <a:rPr/>
-              <a:t>What is “treatment”</a:t>
-            </a:r>
-          </a:p>
-          <a:p>
-            <a:pPr lvl="3"/>
-            <a:r>
-              <a:rPr/>
-              <a:t>When it will be given</a:t>
-            </a:r>
-          </a:p>
-          <a:p>
-            <a:pPr lvl="3"/>
-            <a:r>
-              <a:rPr/>
-              <a:t>Who it will be given to *** ### Research Approaches</a:t>
-            </a:r>
-          </a:p>
-          <a:p>
-            <a:pPr lvl="1"/>
-            <a:r>
-              <a:rPr/>
-              <a:t>Randomized Experimental</a:t>
-            </a:r>
-          </a:p>
-          <a:p>
-            <a:pPr lvl="1"/>
-            <a:r>
-              <a:rPr/>
-              <a:t>Importance of random assignment</a:t>
-            </a:r>
-          </a:p>
-          <a:p>
-            <a:pPr lvl="2"/>
-            <a:r>
-              <a:rPr/>
-              <a:t>Bias</a:t>
-            </a:r>
-          </a:p>
-          <a:p>
-            <a:pPr lvl="2"/>
-            <a:r>
-              <a:rPr/>
-              <a:t>Equivalence of groups before treatment</a:t>
-            </a:r>
-          </a:p>
-          <a:p>
-            <a:pPr lvl="1"/>
-            <a:r>
-              <a:rPr/>
-              <a:t>Random selection (sampling)</a:t>
-            </a:r>
-          </a:p>
-          <a:p>
-            <a:pPr lvl="2"/>
-            <a:r>
-              <a:rPr/>
-              <a:t>What does this mean?</a:t>
-            </a:r>
-          </a:p>
-          <a:p>
-            <a:pPr lvl="2"/>
-            <a:r>
-              <a:rPr/>
-              <a:t>How does it relate to random assignment?</a:t>
-            </a:r>
-          </a:p>
-          <a:p>
-            <a:pPr lvl="2"/>
-            <a:r>
-              <a:rPr/>
-              <a:t>Value of random selection? *** ### Research Approaches</a:t>
-            </a:r>
-          </a:p>
-          <a:p>
-            <a:pPr lvl="1"/>
-            <a:r>
-              <a:rPr/>
-              <a:t>Quasi-Experimental</a:t>
-            </a:r>
-          </a:p>
-          <a:p>
-            <a:pPr lvl="1"/>
-            <a:r>
-              <a:rPr/>
-              <a:t>What criteria of Experimental not met?</a:t>
-            </a:r>
-          </a:p>
-          <a:p>
-            <a:pPr lvl="1"/>
-            <a:r>
-              <a:rPr/>
-              <a:t>Categories of Q-E approach</a:t>
-            </a:r>
-          </a:p>
-          <a:p>
-            <a:pPr lvl="2"/>
-            <a:r>
-              <a:rPr/>
-              <a:t>Q-E with major limitations</a:t>
-            </a:r>
-          </a:p>
-          <a:p>
-            <a:pPr lvl="2"/>
-            <a:r>
-              <a:rPr/>
-              <a:t>Pretest-Posttest designs</a:t>
-            </a:r>
-          </a:p>
-          <a:p>
-            <a:pPr lvl="2"/>
-            <a:r>
-              <a:rPr/>
-              <a:t>Time-series designs</a:t>
-            </a:r>
-          </a:p>
-          <a:p>
-            <a:pPr lvl="2"/>
-            <a:r>
-              <a:rPr/>
-              <a:t>Single-subject designs *** ### Research Approaches</a:t>
-            </a:r>
-          </a:p>
-          <a:p>
-            <a:pPr lvl="1"/>
-            <a:r>
-              <a:rPr/>
-              <a:t>MEDB 5510 - Week 5 (assets/img/image3.emf) *** ### Randomized Experimental and Q-E Designs</a:t>
-            </a:r>
-          </a:p>
-          <a:p>
-            <a:pPr lvl="0" marL="0" indent="0">
-              <a:buNone/>
-            </a:pPr>
-            <a:r>
-              <a:rPr/>
-              <a:t>(assets/img/image4.emf) *** ### Quasi-Experimental Designs</a:t>
-            </a:r>
-          </a:p>
-          <a:p>
-            <a:pPr lvl="1"/>
-            <a:r>
-              <a:rPr/>
-              <a:t>Categories of Q-E approach</a:t>
-            </a:r>
-          </a:p>
-          <a:p>
-            <a:pPr lvl="2"/>
-            <a:r>
-              <a:rPr/>
-              <a:t>Q-E with major limitations</a:t>
-            </a:r>
-          </a:p>
-          <a:p>
-            <a:pPr lvl="2"/>
-            <a:r>
-              <a:rPr/>
-              <a:t>Pretest-Posttest designs</a:t>
-            </a:r>
-          </a:p>
-          <a:p>
-            <a:pPr lvl="2"/>
-            <a:r>
-              <a:rPr/>
-              <a:t>Time-series designs</a:t>
-            </a:r>
-          </a:p>
-          <a:p>
-            <a:pPr lvl="2"/>
-            <a:r>
-              <a:rPr/>
-              <a:t>Single-subject designs *** ### Quasi-Experimental Designs</a:t>
-            </a:r>
-          </a:p>
-          <a:p>
-            <a:pPr lvl="1"/>
-            <a:r>
-              <a:rPr/>
-              <a:t>Q-E with major limitations</a:t>
-            </a:r>
-          </a:p>
-          <a:p>
-            <a:pPr lvl="1"/>
-            <a:r>
-              <a:rPr/>
-              <a:t>Also called Pre-experimental</a:t>
-            </a:r>
-          </a:p>
-          <a:p>
-            <a:pPr lvl="2"/>
-            <a:r>
-              <a:rPr/>
-              <a:t>One-Group Posttest-Only</a:t>
-            </a:r>
-          </a:p>
-          <a:p>
-            <a:pPr lvl="3"/>
-            <a:r>
-              <a:rPr/>
-              <a:t>NR E: X O *** ### Quasi-Experimental Designs</a:t>
-            </a:r>
-          </a:p>
-          <a:p>
-            <a:pPr lvl="1"/>
-            <a:r>
-              <a:rPr/>
-              <a:t>Q-E with major limitations</a:t>
-            </a:r>
-          </a:p>
-          <a:p>
-            <a:pPr lvl="1"/>
-            <a:r>
-              <a:rPr/>
-              <a:t>Also called Pre-experimental</a:t>
-            </a:r>
-          </a:p>
-          <a:p>
-            <a:pPr lvl="2"/>
-            <a:r>
-              <a:rPr/>
-              <a:t>One-Group Pretest-Posttest</a:t>
-            </a:r>
-          </a:p>
-          <a:p>
-            <a:pPr lvl="3"/>
-            <a:r>
-              <a:rPr/>
-              <a:t>NR E: O1 X O2</a:t>
-            </a:r>
-          </a:p>
-          <a:p>
-            <a:pPr lvl="2"/>
-            <a:r>
-              <a:rPr/>
-              <a:t>Improvement - Wait-List Comparison Group</a:t>
-            </a:r>
-          </a:p>
-          <a:p>
-            <a:pPr lvl="3"/>
-            <a:r>
-              <a:rPr/>
-              <a:t>Immediate Group O1 X O2</a:t>
-            </a:r>
-          </a:p>
-          <a:p>
-            <a:pPr lvl="3"/>
-            <a:r>
-              <a:rPr/>
-              <a:t>Wait-List Group O1 ~X O2 X O3 *** ### Quasi-Experimental Designs</a:t>
-            </a:r>
-          </a:p>
-          <a:p>
-            <a:pPr lvl="1"/>
-            <a:r>
-              <a:rPr/>
-              <a:t>Q-E with major limitations</a:t>
-            </a:r>
-          </a:p>
-          <a:p>
-            <a:pPr lvl="1"/>
-            <a:r>
-              <a:rPr/>
-              <a:t>Also called Pre-experimental</a:t>
-            </a:r>
-          </a:p>
-          <a:p>
-            <a:pPr lvl="2"/>
-            <a:r>
-              <a:rPr/>
-              <a:t>Posttest-Only Nonequivalent Groups</a:t>
-            </a:r>
-          </a:p>
-          <a:p>
-            <a:pPr lvl="3"/>
-            <a:r>
-              <a:rPr/>
-              <a:t>NR E: X O</a:t>
-            </a:r>
-          </a:p>
-          <a:p>
-            <a:pPr lvl="3"/>
-            <a:r>
-              <a:rPr/>
-              <a:t>NR C: ~X O *** ### Quasi-Experimental Designs</a:t>
-            </a:r>
-          </a:p>
-          <a:p>
-            <a:pPr lvl="1"/>
-            <a:r>
-              <a:rPr/>
-              <a:t>Better Q-E Designs</a:t>
-            </a:r>
-          </a:p>
-          <a:p>
-            <a:pPr lvl="2"/>
-            <a:r>
-              <a:rPr/>
-              <a:t>Pretest-Posttest Nonequivalent Comparison Group</a:t>
-            </a:r>
-          </a:p>
-          <a:p>
-            <a:pPr lvl="3"/>
-            <a:r>
-              <a:rPr/>
-              <a:t>NR E: O1 X O2</a:t>
-            </a:r>
-          </a:p>
-          <a:p>
-            <a:pPr lvl="3"/>
-            <a:r>
-              <a:rPr/>
-              <a:t>NR C: O1 ~X O2</a:t>
-            </a:r>
-          </a:p>
-          <a:p>
-            <a:pPr lvl="3"/>
-            <a:r>
-              <a:rPr/>
-              <a:t>3 strengths based on</a:t>
-            </a:r>
-          </a:p>
-          <a:p>
-            <a:pPr lvl="4"/>
-            <a:r>
-              <a:rPr/>
-              <a:t>How participants got into the groups/conditions</a:t>
-            </a:r>
-          </a:p>
-          <a:p>
-            <a:pPr lvl="4"/>
-            <a:r>
-              <a:rPr/>
-              <a:t>How much control investigator has over IV</a:t>
-            </a:r>
-          </a:p>
-          <a:p>
-            <a:pPr lvl="3"/>
-            <a:r>
-              <a:rPr/>
-              <a:t>Strong</a:t>
-            </a:r>
-          </a:p>
-          <a:p>
-            <a:pPr lvl="3"/>
-            <a:r>
-              <a:rPr/>
-              <a:t>Moderate-strength</a:t>
-            </a:r>
-          </a:p>
-          <a:p>
-            <a:pPr lvl="3"/>
-            <a:r>
-              <a:rPr/>
-              <a:t>Weak *** ### Quasi-Experimental Designs</a:t>
-            </a:r>
-          </a:p>
-          <a:p>
-            <a:pPr lvl="1"/>
-            <a:r>
-              <a:rPr/>
-              <a:t>Better Q-E Designs</a:t>
-            </a:r>
-          </a:p>
-          <a:p>
-            <a:pPr lvl="2"/>
-            <a:r>
-              <a:rPr/>
-              <a:t>Single-Group Time-Series</a:t>
-            </a:r>
-          </a:p>
-          <a:p>
-            <a:pPr lvl="3"/>
-            <a:r>
-              <a:rPr/>
-              <a:t>Characteristics</a:t>
-            </a:r>
-          </a:p>
-          <a:p>
-            <a:pPr lvl="3"/>
-            <a:r>
-              <a:rPr/>
-              <a:t>Temporary treatment vs Continuous treatment</a:t>
-            </a:r>
-          </a:p>
-          <a:p>
-            <a:pPr lvl="2"/>
-            <a:r>
-              <a:rPr/>
-              <a:t>Multi-Group Time-Series</a:t>
-            </a:r>
-          </a:p>
-          <a:p>
-            <a:pPr lvl="3"/>
-            <a:r>
-              <a:rPr/>
-              <a:t>Characteristics</a:t>
-            </a:r>
-          </a:p>
-          <a:p>
-            <a:pPr lvl="3"/>
-            <a:r>
-              <a:rPr/>
-              <a:t>Temporary treatment vs Continuous treatment *** ### Q-E Time Series Designs</a:t>
-            </a:r>
-          </a:p>
-          <a:p>
-            <a:pPr lvl="1"/>
-            <a:r>
-              <a:rPr/>
-              <a:t>Portney &amp; Watkins, 2009 (assets/img/image5.jpeg) *** ### Q-E Time Series Designs</a:t>
-            </a:r>
-          </a:p>
-          <a:p>
-            <a:pPr lvl="1"/>
-            <a:r>
-              <a:rPr/>
-              <a:t>Portney &amp; Watkins, 2009 (assets/img/image6.jpeg) *** ### Quasi-Experimental Designs</a:t>
-            </a:r>
-          </a:p>
-          <a:p>
-            <a:pPr lvl="1"/>
-            <a:r>
-              <a:rPr/>
-              <a:t>Typical examples of Q-E designs</a:t>
-            </a:r>
-          </a:p>
-          <a:p>
-            <a:pPr lvl="2"/>
-            <a:r>
-              <a:rPr/>
-              <a:t>Case-control study</a:t>
-            </a:r>
-          </a:p>
-          <a:p>
-            <a:pPr lvl="2"/>
-            <a:r>
-              <a:rPr/>
-              <a:t>Cohort study</a:t>
-            </a:r>
-          </a:p>
-          <a:p>
-            <a:pPr lvl="2"/>
-            <a:r>
-              <a:rPr/>
-              <a:t>Non-equivalent control group design</a:t>
-            </a:r>
-          </a:p>
-          <a:p>
-            <a:pPr lvl="2"/>
-            <a:r>
-              <a:rPr/>
-              <a:t>Interrupted time-series design</a:t>
-            </a:r>
-          </a:p>
-          <a:p>
-            <a:pPr lvl="2"/>
-            <a:r>
-              <a:rPr/>
-              <a:t>Single system design *** ### Randomized Experimental Designs</a:t>
-            </a:r>
-          </a:p>
-          <a:p>
-            <a:pPr lvl="1"/>
-            <a:r>
-              <a:rPr/>
-              <a:t>Characteristics</a:t>
-            </a:r>
-          </a:p>
-          <a:p>
-            <a:pPr lvl="2"/>
-            <a:r>
-              <a:rPr/>
-              <a:t>Assignment</a:t>
-            </a:r>
-          </a:p>
-          <a:p>
-            <a:pPr lvl="2"/>
-            <a:r>
-              <a:rPr/>
-              <a:t>Type of IV</a:t>
-            </a:r>
-          </a:p>
-          <a:p>
-            <a:pPr lvl="2"/>
-            <a:r>
-              <a:rPr/>
-              <a:t>Control of IV</a:t>
-            </a:r>
-          </a:p>
-          <a:p>
-            <a:pPr lvl="1"/>
-            <a:r>
-              <a:rPr/>
-              <a:t>Purpose *** ### Randomized Experimental Designs</a:t>
-            </a:r>
-          </a:p>
-          <a:p>
-            <a:pPr lvl="1"/>
-            <a:r>
-              <a:rPr/>
-              <a:t>Posttest-Only Control Group</a:t>
-            </a:r>
-          </a:p>
-          <a:p>
-            <a:pPr lvl="2"/>
-            <a:r>
-              <a:rPr/>
-              <a:t>R E: X O</a:t>
-            </a:r>
-          </a:p>
-          <a:p>
-            <a:pPr lvl="2"/>
-            <a:r>
-              <a:rPr/>
-              <a:t>R C: X O</a:t>
-            </a:r>
-          </a:p>
-          <a:p>
-            <a:pPr lvl="2"/>
-            <a:r>
-              <a:rPr/>
-              <a:t>Strengths</a:t>
-            </a:r>
-          </a:p>
-          <a:p>
-            <a:pPr lvl="2"/>
-            <a:r>
-              <a:rPr/>
-              <a:t>Weaknesses *** ### Randomized Experimental Designs</a:t>
-            </a:r>
-          </a:p>
-          <a:p>
-            <a:pPr lvl="1"/>
-            <a:r>
-              <a:rPr/>
-              <a:t>Pretest-Posttest Control Group</a:t>
-            </a:r>
-          </a:p>
-          <a:p>
-            <a:pPr lvl="2"/>
-            <a:r>
-              <a:rPr/>
-              <a:t>R E: O1 X O2</a:t>
-            </a:r>
-          </a:p>
-          <a:p>
-            <a:pPr lvl="2"/>
-            <a:r>
-              <a:rPr/>
-              <a:t>R C: O1 ~X O2</a:t>
-            </a:r>
-          </a:p>
-          <a:p>
-            <a:pPr lvl="2"/>
-            <a:r>
-              <a:rPr/>
-              <a:t>Strengths</a:t>
-            </a:r>
-          </a:p>
-          <a:p>
-            <a:pPr lvl="2"/>
-            <a:r>
-              <a:rPr/>
-              <a:t>Weaknesses *** ### Randomized Experimental Designs</a:t>
-            </a:r>
-          </a:p>
-          <a:p>
-            <a:pPr lvl="1"/>
-            <a:r>
-              <a:rPr/>
-              <a:t>Solomon Four-Group</a:t>
-            </a:r>
-          </a:p>
-          <a:p>
-            <a:pPr lvl="2"/>
-            <a:r>
-              <a:rPr/>
-              <a:t>R E1: O1 X O2</a:t>
-            </a:r>
-          </a:p>
-          <a:p>
-            <a:pPr lvl="2"/>
-            <a:r>
-              <a:rPr/>
-              <a:t>R E2: X O2</a:t>
-            </a:r>
-          </a:p>
-          <a:p>
-            <a:pPr lvl="2"/>
-            <a:r>
-              <a:rPr/>
-              <a:t>R C1: O1 ~X O2</a:t>
-            </a:r>
-          </a:p>
-          <a:p>
-            <a:pPr lvl="2"/>
-            <a:r>
-              <a:rPr/>
-              <a:t>R C2: ~X O2</a:t>
-            </a:r>
-          </a:p>
-          <a:p>
-            <a:pPr lvl="2"/>
-            <a:r>
-              <a:rPr/>
-              <a:t>Strengths</a:t>
-            </a:r>
-          </a:p>
-          <a:p>
-            <a:pPr lvl="2"/>
-            <a:r>
-              <a:rPr/>
-              <a:t>Weaknesses *** ### Randomized Experimental Designs</a:t>
-            </a:r>
-          </a:p>
-          <a:p>
-            <a:pPr lvl="1"/>
-            <a:r>
-              <a:rPr/>
-              <a:t>Randomized Experimental Design with Matching</a:t>
-            </a:r>
-          </a:p>
-          <a:p>
-            <a:pPr lvl="2"/>
-            <a:r>
-              <a:rPr/>
-              <a:t>M R E: X O</a:t>
-            </a:r>
-          </a:p>
-          <a:p>
-            <a:pPr lvl="2"/>
-            <a:r>
-              <a:rPr/>
-              <a:t>M R C: ~X O</a:t>
-            </a:r>
-          </a:p>
-          <a:p>
-            <a:pPr lvl="2"/>
-            <a:r>
-              <a:rPr/>
-              <a:t>Strengths</a:t>
-            </a:r>
-          </a:p>
-          <a:p>
-            <a:pPr lvl="2"/>
-            <a:r>
-              <a:rPr/>
-              <a:t>Weaknesses *** ### Randomized Experimental Designs</a:t>
-            </a:r>
-          </a:p>
-          <a:p>
-            <a:pPr lvl="1"/>
-            <a:r>
-              <a:rPr/>
-              <a:t>Within-Subjects Randomized Experimental (Crossover) Design</a:t>
-            </a:r>
-          </a:p>
-          <a:p>
-            <a:pPr lvl="2"/>
-            <a:r>
-              <a:rPr/>
-              <a:t>R Order 1 X O1 ~X O2</a:t>
-            </a:r>
-          </a:p>
-          <a:p>
-            <a:pPr lvl="2"/>
-            <a:r>
-              <a:rPr/>
-              <a:t>R Order 2 ~X O1 X O2</a:t>
-            </a:r>
-          </a:p>
-          <a:p>
-            <a:pPr lvl="2"/>
-            <a:r>
-              <a:rPr/>
-              <a:t>Strengths</a:t>
-            </a:r>
-          </a:p>
-          <a:p>
-            <a:pPr lvl="2"/>
-            <a:r>
-              <a:rPr/>
-              <a:t>Weaknesses *** ### Randomized Experimental and Q-E Designs</a:t>
-            </a:r>
-          </a:p>
-          <a:p>
-            <a:pPr lvl="0" marL="0" indent="0">
-              <a:buNone/>
-            </a:pPr>
-            <a:r>
-              <a:rPr/>
-              <a:t>(assets/img/image4.emf) *** ### Research Design</a:t>
-            </a:r>
-          </a:p>
-          <a:p>
-            <a:pPr lvl="1"/>
-            <a:r>
-              <a:rPr/>
-              <a:t>Sim &amp; Wright. </a:t>
-            </a:r>
-            <a:r>
-              <a:rPr i="1"/>
-              <a:t>Research in Health Care</a:t>
-            </a:r>
-            <a:r>
-              <a:rPr/>
-              <a:t> . 2000. Table 4.2</a:t>
-            </a:r>
-          </a:p>
-          <a:p>
-            <a:pPr lvl="1"/>
-            <a:r>
-              <a:rPr/>
-              <a:t>MEDB 5510 - Week 5 (assets/img/image7.jpeg) *** ### Research Design</a:t>
-            </a:r>
-          </a:p>
-          <a:p>
-            <a:pPr lvl="1"/>
-            <a:r>
-              <a:rPr/>
-              <a:t>Sim &amp; Wright. </a:t>
-            </a:r>
-            <a:r>
-              <a:rPr i="1"/>
-              <a:t>Research in Health Care</a:t>
-            </a:r>
-            <a:r>
-              <a:rPr/>
-              <a:t> . 2000. Table 4.3</a:t>
-            </a:r>
-          </a:p>
-          <a:p>
-            <a:pPr lvl="1"/>
-            <a:r>
-              <a:rPr/>
-              <a:t>MEDB 5510 - Week 5 (assets/img/image8.jpeg) *** ### Assignment #3</a:t>
-            </a:r>
-          </a:p>
-          <a:p>
-            <a:pPr lvl="1"/>
-            <a:r>
-              <a:rPr/>
-              <a:t>Prepare a brief description of the topic you are planning to focus on for your research proposal. (Introduction)</a:t>
-            </a:r>
-          </a:p>
-        </p:txBody>
-      </p:sp>
+      <p:pic>
+        <p:nvPicPr>
+          <p:cNvPr descr="../images/image-05-01.png" id="0" name="Picture 1"/>
+          <p:cNvPicPr>
+            <a:picLocks noGrp="1" noChangeAspect="1"/>
+          </p:cNvPicPr>
+          <p:nvPr/>
+        </p:nvPicPr>
+        <p:blipFill>
+          <a:blip r:embed="rId2"/>
+          <a:stretch>
+            <a:fillRect/>
+          </a:stretch>
+        </p:blipFill>
+        <p:spPr bwMode="auto">
+          <a:xfrm>
+            <a:off x="1955800" y="1600200"/>
+            <a:ext cx="5232400" cy="4521200"/>
+          </a:xfrm>
+          <a:prstGeom prst="rect">
+            <a:avLst/>
+          </a:prstGeom>
+          <a:noFill/>
+          <a:ln w="9525">
+            <a:noFill/>
+            <a:headEnd/>
+            <a:tailEnd/>
+          </a:ln>
+        </p:spPr>
+      </p:pic>
     </p:spTree>
   </p:cSld>
 </p:sld>
@@ -4428,45 +6368,49 @@
             </a:pPr>
             <a:r>
               <a:rPr/>
-              <a:t>Assignment</a:t>
-            </a:r>
-          </a:p>
-        </p:txBody>
-      </p:sp>
-      <p:sp>
-        <p:nvSpPr>
-          <p:cNvPr id="3" name="Content Placeholder 2"/>
-          <p:cNvSpPr>
-            <a:spLocks noGrp="1"/>
-          </p:cNvSpPr>
-          <p:nvPr>
-            <p:ph idx="1"/>
-          </p:nvPr>
-        </p:nvSpPr>
-        <p:spPr/>
-        <p:txBody>
-          <a:bodyPr/>
-          <a:lstStyle/>
-          <a:p>
-            <a:pPr lvl="1">
-              <a:buAutoNum type="arabicPeriod"/>
-            </a:pPr>
-            <a:r>
-              <a:rPr/>
-              <a:t>Prepare a brief description of the topic you are planning to focus on for your research proposal. This assignment serves as a start point for the Introduction of your research proposal.</a:t>
-            </a:r>
-          </a:p>
-          <a:p>
-            <a:pPr lvl="1">
-              <a:buAutoNum type="arabicPeriod"/>
-            </a:pPr>
-            <a:r>
-              <a:rPr/>
-              <a:t>Prepare for next weekâ€™s session</a:t>
-            </a:r>
-          </a:p>
-        </p:txBody>
-      </p:sp>
+              <a:t>Research</a:t>
+            </a:r>
+            <a:r>
+              <a:rPr/>
+              <a:t> </a:t>
+            </a:r>
+            <a:r>
+              <a:rPr/>
+              <a:t>Approaches</a:t>
+            </a:r>
+          </a:p>
+        </p:txBody>
+      </p:sp>
+      <p:pic>
+        <p:nvPicPr>
+          <p:cNvPr descr="../images/image-05-02.png" id="0" name="Picture 1"/>
+          <p:cNvPicPr>
+            <a:picLocks noGrp="1" noChangeAspect="1"/>
+          </p:cNvPicPr>
+          <p:nvPr/>
+        </p:nvPicPr>
+        <p:blipFill>
+          <a:blip r:embed="rId2"/>
+          <a:stretch>
+            <a:fillRect/>
+          </a:stretch>
+        </p:blipFill>
+        <p:spPr bwMode="auto">
+          <a:xfrm>
+            <a:off x="1905000" y="1600200"/>
+            <a:ext cx="5321300" cy="4521200"/>
+          </a:xfrm>
+          <a:prstGeom prst="rect">
+            <a:avLst/>
+          </a:prstGeom>
+          <a:noFill/>
+          <a:ln w="9525">
+            <a:noFill/>
+            <a:headEnd/>
+            <a:tailEnd/>
+          </a:ln>
+        </p:spPr>
+      </p:pic>
     </p:spTree>
   </p:cSld>
 </p:sld>
@@ -4509,7 +6453,7 @@
             </a:pPr>
             <a:r>
               <a:rPr/>
-              <a:t>Discussion</a:t>
+              <a:t>Research</a:t>
             </a:r>
             <a:r>
               <a:rPr/>
@@ -4517,7 +6461,7 @@
             </a:r>
             <a:r>
               <a:rPr/>
-              <a:t>questions</a:t>
+              <a:t>Approaches</a:t>
             </a:r>
           </a:p>
         </p:txBody>
@@ -4537,30 +6481,59 @@
           <a:bodyPr/>
           <a:lstStyle/>
           <a:p>
-            <a:pPr lvl="1">
-              <a:buAutoNum type="arabicPeriod"/>
-            </a:pPr>
-            <a:r>
-              <a:rPr/>
-              <a:t>What kind of clinical research questions are you interested in pursuing?</a:t>
-            </a:r>
-          </a:p>
-          <a:p>
-            <a:pPr lvl="1">
-              <a:buAutoNum type="arabicPeriod"/>
-            </a:pPr>
-            <a:r>
-              <a:rPr/>
-              <a:t>Do you have previous experiences that factor into the research questions you are interested in?</a:t>
-            </a:r>
-          </a:p>
-          <a:p>
-            <a:pPr lvl="1">
-              <a:buAutoNum type="arabicPeriod"/>
-            </a:pPr>
-            <a:r>
-              <a:rPr/>
-              <a:t>What kind of design do you think would be most appropriate for the topic you are interested in?</a:t>
+            <a:pPr lvl="1"/>
+            <a:r>
+              <a:rPr/>
+              <a:t>Randomized Experimental</a:t>
+            </a:r>
+          </a:p>
+          <a:p>
+            <a:pPr lvl="1"/>
+            <a:r>
+              <a:rPr/>
+              <a:t>Criteria</a:t>
+            </a:r>
+          </a:p>
+          <a:p>
+            <a:pPr lvl="2"/>
+            <a:r>
+              <a:rPr/>
+              <a:t>Random assignment</a:t>
+            </a:r>
+          </a:p>
+          <a:p>
+            <a:pPr lvl="2"/>
+            <a:r>
+              <a:rPr/>
+              <a:t>Active independent variable</a:t>
+            </a:r>
+          </a:p>
+          <a:p>
+            <a:pPr lvl="2"/>
+            <a:r>
+              <a:rPr/>
+              <a:t>(Experimenter control of active independent variable)</a:t>
+            </a:r>
+          </a:p>
+          <a:p>
+            <a:pPr lvl="3"/>
+            <a:r>
+              <a:rPr/>
+              <a:t>What is “treatment”</a:t>
+            </a:r>
+          </a:p>
+          <a:p>
+            <a:pPr lvl="3"/>
+            <a:r>
+              <a:rPr/>
+              <a:t>When it will be given</a:t>
+            </a:r>
+          </a:p>
+          <a:p>
+            <a:pPr lvl="3"/>
+            <a:r>
+              <a:rPr/>
+              <a:t>Who it will be given to</a:t>
             </a:r>
           </a:p>
         </p:txBody>
@@ -4607,7 +6580,7 @@
             </a:pPr>
             <a:r>
               <a:rPr/>
-              <a:t>Additional</a:t>
+              <a:t>Research</a:t>
             </a:r>
             <a:r>
               <a:rPr/>
@@ -4615,7 +6588,199 @@
             </a:r>
             <a:r>
               <a:rPr/>
-              <a:t>slides</a:t>
+              <a:t>Approaches</a:t>
+            </a:r>
+          </a:p>
+        </p:txBody>
+      </p:sp>
+      <p:sp>
+        <p:nvSpPr>
+          <p:cNvPr id="3" name="Content Placeholder 2"/>
+          <p:cNvSpPr>
+            <a:spLocks noGrp="1"/>
+          </p:cNvSpPr>
+          <p:nvPr>
+            <p:ph idx="1"/>
+          </p:nvPr>
+        </p:nvSpPr>
+        <p:spPr/>
+        <p:txBody>
+          <a:bodyPr/>
+          <a:lstStyle/>
+          <a:p>
+            <a:pPr lvl="1"/>
+            <a:r>
+              <a:rPr/>
+              <a:t>Randomized Experimental</a:t>
+            </a:r>
+          </a:p>
+          <a:p>
+            <a:pPr lvl="1"/>
+            <a:r>
+              <a:rPr/>
+              <a:t>Importance of random assignment</a:t>
+            </a:r>
+          </a:p>
+          <a:p>
+            <a:pPr lvl="2"/>
+            <a:r>
+              <a:rPr/>
+              <a:t>Bias</a:t>
+            </a:r>
+          </a:p>
+          <a:p>
+            <a:pPr lvl="2"/>
+            <a:r>
+              <a:rPr/>
+              <a:t>Equivalence of groups before treatment</a:t>
+            </a:r>
+          </a:p>
+          <a:p>
+            <a:pPr lvl="1"/>
+            <a:r>
+              <a:rPr/>
+              <a:t>Random selection (sampling)</a:t>
+            </a:r>
+          </a:p>
+          <a:p>
+            <a:pPr lvl="2"/>
+            <a:r>
+              <a:rPr/>
+              <a:t>What does this mean?</a:t>
+            </a:r>
+          </a:p>
+          <a:p>
+            <a:pPr lvl="2"/>
+            <a:r>
+              <a:rPr/>
+              <a:t>How does it relate to random assignment?</a:t>
+            </a:r>
+          </a:p>
+          <a:p>
+            <a:pPr lvl="2"/>
+            <a:r>
+              <a:rPr/>
+              <a:t>Value of random selection?</a:t>
+            </a:r>
+          </a:p>
+        </p:txBody>
+      </p:sp>
+    </p:spTree>
+  </p:cSld>
+</p:sld>
+</file>
+
+<file path=ppt/slides/slide9.xml><?xml version="1.0" encoding="utf-8"?>
+<p:sld xmlns:a="http://schemas.openxmlformats.org/drawingml/2006/main" xmlns:r="http://schemas.openxmlformats.org/officeDocument/2006/relationships" xmlns:p="http://schemas.openxmlformats.org/presentationml/2006/main">
+  <p:cSld>
+    <p:spTree>
+      <p:nvGrpSpPr>
+        <p:cNvPr id="1" name=""/>
+        <p:cNvGrpSpPr/>
+        <p:nvPr/>
+      </p:nvGrpSpPr>
+      <p:grpSpPr>
+        <a:xfrm>
+          <a:off x="0" y="0"/>
+          <a:ext cx="0" cy="0"/>
+          <a:chOff x="0" y="0"/>
+          <a:chExt cx="0" cy="0"/>
+        </a:xfrm>
+      </p:grpSpPr>
+      <p:sp>
+        <p:nvSpPr>
+          <p:cNvPr id="2" name="Title 1"/>
+          <p:cNvSpPr>
+            <a:spLocks noGrp="1"/>
+          </p:cNvSpPr>
+          <p:nvPr>
+            <p:ph type="title"/>
+          </p:nvPr>
+        </p:nvSpPr>
+        <p:spPr/>
+        <p:txBody>
+          <a:bodyPr/>
+          <a:lstStyle/>
+          <a:p>
+            <a:pPr lvl="0" marL="0" indent="0">
+              <a:buNone/>
+            </a:pPr>
+            <a:r>
+              <a:rPr/>
+              <a:t>Research</a:t>
+            </a:r>
+            <a:r>
+              <a:rPr/>
+              <a:t> </a:t>
+            </a:r>
+            <a:r>
+              <a:rPr/>
+              <a:t>Approaches</a:t>
+            </a:r>
+          </a:p>
+        </p:txBody>
+      </p:sp>
+      <p:sp>
+        <p:nvSpPr>
+          <p:cNvPr id="3" name="Content Placeholder 2"/>
+          <p:cNvSpPr>
+            <a:spLocks noGrp="1"/>
+          </p:cNvSpPr>
+          <p:nvPr>
+            <p:ph idx="1"/>
+          </p:nvPr>
+        </p:nvSpPr>
+        <p:spPr/>
+        <p:txBody>
+          <a:bodyPr/>
+          <a:lstStyle/>
+          <a:p>
+            <a:pPr lvl="1"/>
+            <a:r>
+              <a:rPr/>
+              <a:t>Quasi-Experimental</a:t>
+            </a:r>
+          </a:p>
+          <a:p>
+            <a:pPr lvl="1"/>
+            <a:r>
+              <a:rPr/>
+              <a:t>What criteria of Experimental not met?</a:t>
+            </a:r>
+          </a:p>
+          <a:p>
+            <a:pPr lvl="1"/>
+            <a:r>
+              <a:rPr/>
+              <a:t>Categories of Q-E approach</a:t>
+            </a:r>
+          </a:p>
+          <a:p>
+            <a:pPr lvl="2"/>
+            <a:r>
+              <a:rPr/>
+              <a:t>Q-E with major limitations</a:t>
+            </a:r>
+          </a:p>
+          <a:p>
+            <a:pPr lvl="2"/>
+            <a:r>
+              <a:rPr/>
+              <a:t>Pretest-Posttest designs</a:t>
+            </a:r>
+          </a:p>
+          <a:p>
+            <a:pPr lvl="2"/>
+            <a:r>
+              <a:rPr/>
+              <a:t>Time-series designs</a:t>
+            </a:r>
+          </a:p>
+          <a:p>
+            <a:pPr lvl="2"/>
+            <a:r>
+              <a:rPr/>
+              <a:t>Single-subject designs</a:t>
             </a:r>
           </a:p>
         </p:txBody>

--- a/src/video-05-experimental-studies.pptx
+++ b/src/video-05-experimental-studies.pptx
@@ -4500,7 +4500,7 @@
       </p:grpSpPr>
       <p:pic>
         <p:nvPicPr>
-          <p:cNvPr descr="../images/image-05-06.jpg" id="0" name="Picture 1"/>
+          <p:cNvPr descr="../images/image-05-06.png" id="0" name="Picture 1"/>
           <p:cNvPicPr>
             <a:picLocks noGrp="1" noChangeAspect="1"/>
           </p:cNvPicPr>
@@ -4514,8 +4514,8 @@
         </p:blipFill>
         <p:spPr bwMode="auto">
           <a:xfrm>
-            <a:off x="1181100" y="1600200"/>
-            <a:ext cx="6781800" cy="4521200"/>
+            <a:off x="1562100" y="1600200"/>
+            <a:ext cx="6019800" cy="4521200"/>
           </a:xfrm>
           <a:prstGeom prst="rect">
             <a:avLst/>
@@ -5647,7 +5647,7 @@
       </p:grpSpPr>
       <p:pic>
         <p:nvPicPr>
-          <p:cNvPr descr="../images/image-05-08.jpg" id="0" name="Picture 1"/>
+          <p:cNvPr descr="../images/image-05-08.png" id="0" name="Picture 1"/>
           <p:cNvPicPr>
             <a:picLocks noGrp="1" noChangeAspect="1"/>
           </p:cNvPicPr>
